--- a/walklets_embedding/docs/Walklets.pptx
+++ b/walklets_embedding/docs/Walklets.pptx
@@ -10,6 +10,25 @@
     <p:sldId id="258" r:id="rId4"/>
     <p:sldId id="259" r:id="rId5"/>
     <p:sldId id="260" r:id="rId6"/>
+    <p:sldId id="261" r:id="rId7"/>
+    <p:sldId id="262" r:id="rId8"/>
+    <p:sldId id="263" r:id="rId9"/>
+    <p:sldId id="265" r:id="rId10"/>
+    <p:sldId id="266" r:id="rId11"/>
+    <p:sldId id="268" r:id="rId12"/>
+    <p:sldId id="267" r:id="rId13"/>
+    <p:sldId id="269" r:id="rId14"/>
+    <p:sldId id="270" r:id="rId15"/>
+    <p:sldId id="272" r:id="rId16"/>
+    <p:sldId id="273" r:id="rId17"/>
+    <p:sldId id="271" r:id="rId18"/>
+    <p:sldId id="274" r:id="rId19"/>
+    <p:sldId id="277" r:id="rId20"/>
+    <p:sldId id="276" r:id="rId21"/>
+    <p:sldId id="275" r:id="rId22"/>
+    <p:sldId id="278" r:id="rId23"/>
+    <p:sldId id="280" r:id="rId24"/>
+    <p:sldId id="279" r:id="rId25"/>
   </p:sldIdLst>
   <p:sldSz cx="9144000" cy="5143500" type="screen16x9"/>
   <p:notesSz cx="6858000" cy="9144000"/>
@@ -108,6 +127,11 @@
       </a:defRPr>
     </a:lvl9pPr>
   </p:defaultTextStyle>
+  <p:extLst>
+    <p:ext uri="{EFAFB233-063F-42B5-8137-9DF3F51BA10A}">
+      <p15:sldGuideLst xmlns:p15="http://schemas.microsoft.com/office/powerpoint/2012/main"/>
+    </p:ext>
+  </p:extLst>
 </p:presentation>
 </file>
 
@@ -613,7 +637,7 @@
           <a:p>
             <a:fld id="{48A87A34-81AB-432B-8DAE-1953F412C126}" type="datetimeFigureOut">
               <a:rPr lang="en-US" smtClean="0"/>
-              <a:t>5/4/2025</a:t>
+              <a:t>5/7/2025</a:t>
             </a:fld>
             <a:endParaRPr lang="en-US" dirty="0"/>
           </a:p>
@@ -927,7 +951,7 @@
             <a:fld id="{48A87A34-81AB-432B-8DAE-1953F412C126}" type="datetimeFigureOut">
               <a:rPr lang="en-US" smtClean="0"/>
               <a:pPr/>
-              <a:t>5/4/2025</a:t>
+              <a:t>5/7/2025</a:t>
             </a:fld>
             <a:endParaRPr lang="en-US" dirty="0"/>
           </a:p>
@@ -1193,7 +1217,7 @@
             <a:fld id="{48A87A34-81AB-432B-8DAE-1953F412C126}" type="datetimeFigureOut">
               <a:rPr lang="en-US" smtClean="0"/>
               <a:pPr/>
-              <a:t>5/4/2025</a:t>
+              <a:t>5/7/2025</a:t>
             </a:fld>
             <a:endParaRPr lang="en-US" dirty="0"/>
           </a:p>
@@ -1751,7 +1775,7 @@
             <a:fld id="{48A87A34-81AB-432B-8DAE-1953F412C126}" type="datetimeFigureOut">
               <a:rPr lang="en-US" smtClean="0"/>
               <a:pPr/>
-              <a:t>5/4/2025</a:t>
+              <a:t>5/7/2025</a:t>
             </a:fld>
             <a:endParaRPr lang="en-US" dirty="0"/>
           </a:p>
@@ -2017,7 +2041,7 @@
             <a:fld id="{48A87A34-81AB-432B-8DAE-1953F412C126}" type="datetimeFigureOut">
               <a:rPr lang="en-US" smtClean="0"/>
               <a:pPr/>
-              <a:t>5/4/2025</a:t>
+              <a:t>5/7/2025</a:t>
             </a:fld>
             <a:endParaRPr lang="en-US" dirty="0"/>
           </a:p>
@@ -2567,7 +2591,7 @@
             <a:fld id="{48A87A34-81AB-432B-8DAE-1953F412C126}" type="datetimeFigureOut">
               <a:rPr lang="en-US" smtClean="0"/>
               <a:pPr/>
-              <a:t>5/4/2025</a:t>
+              <a:t>5/7/2025</a:t>
             </a:fld>
             <a:endParaRPr lang="en-US" dirty="0"/>
           </a:p>
@@ -2882,7 +2906,7 @@
             <a:fld id="{48A87A34-81AB-432B-8DAE-1953F412C126}" type="datetimeFigureOut">
               <a:rPr lang="en-US" smtClean="0"/>
               <a:pPr/>
-              <a:t>5/4/2025</a:t>
+              <a:t>5/7/2025</a:t>
             </a:fld>
             <a:endParaRPr lang="en-US" dirty="0"/>
           </a:p>
@@ -3073,7 +3097,7 @@
           <a:p>
             <a:fld id="{48A87A34-81AB-432B-8DAE-1953F412C126}" type="datetimeFigureOut">
               <a:rPr lang="en-US" smtClean="0"/>
-              <a:t>5/4/2025</a:t>
+              <a:t>5/7/2025</a:t>
             </a:fld>
             <a:endParaRPr lang="en-US" dirty="0"/>
           </a:p>
@@ -3270,7 +3294,7 @@
           <a:p>
             <a:fld id="{48A87A34-81AB-432B-8DAE-1953F412C126}" type="datetimeFigureOut">
               <a:rPr lang="en-US" smtClean="0"/>
-              <a:t>5/4/2025</a:t>
+              <a:t>5/7/2025</a:t>
             </a:fld>
             <a:endParaRPr lang="en-US" dirty="0"/>
           </a:p>
@@ -3585,7 +3609,7 @@
           <a:p>
             <a:fld id="{48A87A34-81AB-432B-8DAE-1953F412C126}" type="datetimeFigureOut">
               <a:rPr lang="en-US" smtClean="0"/>
-              <a:t>5/4/2025</a:t>
+              <a:t>5/7/2025</a:t>
             </a:fld>
             <a:endParaRPr lang="en-US" dirty="0"/>
           </a:p>
@@ -3853,7 +3877,7 @@
           <a:p>
             <a:fld id="{48A87A34-81AB-432B-8DAE-1953F412C126}" type="datetimeFigureOut">
               <a:rPr lang="en-US" smtClean="0"/>
-              <a:t>5/4/2025</a:t>
+              <a:t>5/7/2025</a:t>
             </a:fld>
             <a:endParaRPr lang="en-US" dirty="0"/>
           </a:p>
@@ -4167,7 +4191,7 @@
           <a:p>
             <a:fld id="{48A87A34-81AB-432B-8DAE-1953F412C126}" type="datetimeFigureOut">
               <a:rPr lang="en-US" smtClean="0"/>
-              <a:t>5/4/2025</a:t>
+              <a:t>5/7/2025</a:t>
             </a:fld>
             <a:endParaRPr lang="en-US" dirty="0"/>
           </a:p>
@@ -4626,7 +4650,7 @@
           <a:p>
             <a:fld id="{48A87A34-81AB-432B-8DAE-1953F412C126}" type="datetimeFigureOut">
               <a:rPr lang="en-US" smtClean="0"/>
-              <a:t>5/4/2025</a:t>
+              <a:t>5/7/2025</a:t>
             </a:fld>
             <a:endParaRPr lang="en-US" dirty="0"/>
           </a:p>
@@ -4761,7 +4785,7 @@
           <a:p>
             <a:fld id="{48A87A34-81AB-432B-8DAE-1953F412C126}" type="datetimeFigureOut">
               <a:rPr lang="en-US" smtClean="0"/>
-              <a:t>5/4/2025</a:t>
+              <a:t>5/7/2025</a:t>
             </a:fld>
             <a:endParaRPr lang="en-US" dirty="0"/>
           </a:p>
@@ -4856,7 +4880,7 @@
           <a:p>
             <a:fld id="{48A87A34-81AB-432B-8DAE-1953F412C126}" type="datetimeFigureOut">
               <a:rPr lang="en-US" smtClean="0"/>
-              <a:t>5/4/2025</a:t>
+              <a:t>5/7/2025</a:t>
             </a:fld>
             <a:endParaRPr lang="en-US" dirty="0"/>
           </a:p>
@@ -5156,7 +5180,7 @@
           <a:p>
             <a:fld id="{48A87A34-81AB-432B-8DAE-1953F412C126}" type="datetimeFigureOut">
               <a:rPr lang="en-US" smtClean="0"/>
-              <a:t>5/4/2025</a:t>
+              <a:t>5/7/2025</a:t>
             </a:fld>
             <a:endParaRPr lang="en-US" dirty="0"/>
           </a:p>
@@ -5464,7 +5488,7 @@
           <a:p>
             <a:fld id="{48A87A34-81AB-432B-8DAE-1953F412C126}" type="datetimeFigureOut">
               <a:rPr lang="en-US" smtClean="0"/>
-              <a:t>5/4/2025</a:t>
+              <a:t>5/7/2025</a:t>
             </a:fld>
             <a:endParaRPr lang="en-US" dirty="0"/>
           </a:p>
@@ -6012,7 +6036,7 @@
             <a:fld id="{48A87A34-81AB-432B-8DAE-1953F412C126}" type="datetimeFigureOut">
               <a:rPr lang="en-US" smtClean="0"/>
               <a:pPr/>
-              <a:t>5/4/2025</a:t>
+              <a:t>5/7/2025</a:t>
             </a:fld>
             <a:endParaRPr lang="en-US" dirty="0"/>
           </a:p>
@@ -6785,6 +6809,2072 @@
 </p:sld>
 </file>
 
+<file path=ppt/slides/slide10.xml><?xml version="1.0" encoding="utf-8"?>
+<p:sld xmlns:a="http://schemas.openxmlformats.org/drawingml/2006/main" xmlns:r="http://schemas.openxmlformats.org/officeDocument/2006/relationships" xmlns:p="http://schemas.openxmlformats.org/presentationml/2006/main">
+  <p:cSld>
+    <p:spTree>
+      <p:nvGrpSpPr>
+        <p:cNvPr id="1" name=""/>
+        <p:cNvGrpSpPr/>
+        <p:nvPr/>
+      </p:nvGrpSpPr>
+      <p:grpSpPr>
+        <a:xfrm>
+          <a:off x="0" y="0"/>
+          <a:ext cx="0" cy="0"/>
+          <a:chOff x="0" y="0"/>
+          <a:chExt cx="0" cy="0"/>
+        </a:xfrm>
+      </p:grpSpPr>
+      <p:sp>
+        <p:nvSpPr>
+          <p:cNvPr id="4" name="TextBox 3">
+            <a:extLst>
+              <a:ext uri="{FF2B5EF4-FFF2-40B4-BE49-F238E27FC236}">
+                <a16:creationId xmlns:a16="http://schemas.microsoft.com/office/drawing/2014/main" id="{B335F261-4728-6F2A-EE46-1339F3037850}"/>
+              </a:ext>
+            </a:extLst>
+          </p:cNvPr>
+          <p:cNvSpPr txBox="1"/>
+          <p:nvPr/>
+        </p:nvSpPr>
+        <p:spPr>
+          <a:xfrm>
+            <a:off x="1140551" y="175015"/>
+            <a:ext cx="7507183" cy="2308324"/>
+          </a:xfrm>
+          <a:prstGeom prst="rect">
+            <a:avLst/>
+          </a:prstGeom>
+          <a:noFill/>
+        </p:spPr>
+        <p:txBody>
+          <a:bodyPr wrap="none" rtlCol="0">
+            <a:spAutoFit/>
+          </a:bodyPr>
+          <a:lstStyle/>
+          <a:p>
+            <a:r>
+              <a:rPr lang="en-US" u="sng" dirty="0"/>
+              <a:t>Problems:</a:t>
+            </a:r>
+          </a:p>
+          <a:p>
+            <a:pPr marL="285750" indent="-285750">
+              <a:buFont typeface="Arial" panose="020B0604020202020204" pitchFamily="34" charset="0"/>
+              <a:buChar char="•"/>
+            </a:pPr>
+            <a:r>
+              <a:rPr lang="en-US" dirty="0"/>
+              <a:t>Embeddings limited for capturing local communities</a:t>
+            </a:r>
+          </a:p>
+          <a:p>
+            <a:endParaRPr lang="en-US" dirty="0"/>
+          </a:p>
+          <a:p>
+            <a:pPr marL="285750" indent="-285750">
+              <a:buFont typeface="Arial" panose="020B0604020202020204" pitchFamily="34" charset="0"/>
+              <a:buChar char="•"/>
+            </a:pPr>
+            <a:r>
+              <a:rPr lang="en-US" dirty="0"/>
+              <a:t>Higher similarity on nodes that are in the same or </a:t>
+            </a:r>
+            <a:r>
+              <a:rPr lang="en-US" dirty="0" err="1"/>
+              <a:t>neighbour</a:t>
+            </a:r>
+            <a:r>
+              <a:rPr lang="en-US" dirty="0"/>
+              <a:t> communities </a:t>
+            </a:r>
+          </a:p>
+          <a:p>
+            <a:r>
+              <a:rPr lang="en-US" dirty="0"/>
+              <a:t>      of source node</a:t>
+            </a:r>
+          </a:p>
+          <a:p>
+            <a:endParaRPr lang="en-US" dirty="0"/>
+          </a:p>
+          <a:p>
+            <a:pPr marL="285750" indent="-285750">
+              <a:buFont typeface="Arial" panose="020B0604020202020204" pitchFamily="34" charset="0"/>
+              <a:buChar char="•"/>
+            </a:pPr>
+            <a:r>
+              <a:rPr lang="en-US" b="1" dirty="0"/>
+              <a:t>Not good for preserving longer relationships, best for small to </a:t>
+            </a:r>
+          </a:p>
+          <a:p>
+            <a:r>
+              <a:rPr lang="en-US" b="1" dirty="0"/>
+              <a:t>      medium networks</a:t>
+            </a:r>
+          </a:p>
+        </p:txBody>
+      </p:sp>
+      <p:sp>
+        <p:nvSpPr>
+          <p:cNvPr id="5" name="TextBox 4">
+            <a:extLst>
+              <a:ext uri="{FF2B5EF4-FFF2-40B4-BE49-F238E27FC236}">
+                <a16:creationId xmlns:a16="http://schemas.microsoft.com/office/drawing/2014/main" id="{13C2AE72-7C96-0D68-1A40-F0EEB4EEB05A}"/>
+              </a:ext>
+            </a:extLst>
+          </p:cNvPr>
+          <p:cNvSpPr txBox="1"/>
+          <p:nvPr/>
+        </p:nvSpPr>
+        <p:spPr>
+          <a:xfrm>
+            <a:off x="1140551" y="3043465"/>
+            <a:ext cx="7229864" cy="1477328"/>
+          </a:xfrm>
+          <a:prstGeom prst="rect">
+            <a:avLst/>
+          </a:prstGeom>
+          <a:noFill/>
+        </p:spPr>
+        <p:txBody>
+          <a:bodyPr wrap="none" rtlCol="0">
+            <a:spAutoFit/>
+          </a:bodyPr>
+          <a:lstStyle/>
+          <a:p>
+            <a:r>
+              <a:rPr lang="en-US" u="sng" dirty="0"/>
+              <a:t>Solution:</a:t>
+            </a:r>
+          </a:p>
+          <a:p>
+            <a:pPr marL="285750" indent="-285750">
+              <a:buFont typeface="Arial" panose="020B0604020202020204" pitchFamily="34" charset="0"/>
+              <a:buChar char="•"/>
+            </a:pPr>
+            <a:r>
+              <a:rPr lang="en-US" dirty="0"/>
+              <a:t>Modify the RW corpus at each walk by skipping over a number of nodes</a:t>
+            </a:r>
+          </a:p>
+          <a:p>
+            <a:r>
+              <a:rPr lang="en-US" dirty="0"/>
+              <a:t>from the original path	</a:t>
+            </a:r>
+            <a:r>
+              <a:rPr lang="en-US" dirty="0">
+                <a:sym typeface="Wingdings" panose="05000000000000000000" pitchFamily="2" charset="2"/>
+              </a:rPr>
+              <a:t>	</a:t>
+            </a:r>
+            <a:r>
+              <a:rPr lang="en-US" b="1" dirty="0">
+                <a:sym typeface="Wingdings" panose="05000000000000000000" pitchFamily="2" charset="2"/>
+              </a:rPr>
+              <a:t>Multiscale Communities Learning</a:t>
+            </a:r>
+          </a:p>
+          <a:p>
+            <a:endParaRPr lang="en-US" b="1" dirty="0">
+              <a:sym typeface="Wingdings" panose="05000000000000000000" pitchFamily="2" charset="2"/>
+            </a:endParaRPr>
+          </a:p>
+          <a:p>
+            <a:pPr marL="285750" indent="-285750">
+              <a:buFont typeface="Arial" panose="020B0604020202020204" pitchFamily="34" charset="0"/>
+              <a:buChar char="•"/>
+            </a:pPr>
+            <a:r>
+              <a:rPr lang="en-US" b="1" dirty="0">
+                <a:sym typeface="Wingdings" panose="05000000000000000000" pitchFamily="2" charset="2"/>
+              </a:rPr>
+              <a:t>Good for predicting farther communities, reliable on large networks</a:t>
+            </a:r>
+            <a:endParaRPr lang="en-US" b="1" dirty="0"/>
+          </a:p>
+        </p:txBody>
+      </p:sp>
+    </p:spTree>
+    <p:extLst>
+      <p:ext uri="{BB962C8B-B14F-4D97-AF65-F5344CB8AC3E}">
+        <p14:creationId xmlns:p14="http://schemas.microsoft.com/office/powerpoint/2010/main" val="2756078485"/>
+      </p:ext>
+    </p:extLst>
+  </p:cSld>
+  <p:clrMapOvr>
+    <a:masterClrMapping/>
+  </p:clrMapOvr>
+</p:sld>
+</file>
+
+<file path=ppt/slides/slide11.xml><?xml version="1.0" encoding="utf-8"?>
+<p:sld xmlns:a="http://schemas.openxmlformats.org/drawingml/2006/main" xmlns:r="http://schemas.openxmlformats.org/officeDocument/2006/relationships" xmlns:p="http://schemas.openxmlformats.org/presentationml/2006/main">
+  <p:cSld>
+    <p:spTree>
+      <p:nvGrpSpPr>
+        <p:cNvPr id="1" name="">
+          <a:extLst>
+            <a:ext uri="{FF2B5EF4-FFF2-40B4-BE49-F238E27FC236}">
+              <a16:creationId xmlns:a16="http://schemas.microsoft.com/office/drawing/2014/main" id="{316A717B-D83B-AE36-EE97-F7AB7F5E9133}"/>
+            </a:ext>
+          </a:extLst>
+        </p:cNvPr>
+        <p:cNvGrpSpPr/>
+        <p:nvPr/>
+      </p:nvGrpSpPr>
+      <p:grpSpPr>
+        <a:xfrm>
+          <a:off x="0" y="0"/>
+          <a:ext cx="0" cy="0"/>
+          <a:chOff x="0" y="0"/>
+          <a:chExt cx="0" cy="0"/>
+        </a:xfrm>
+      </p:grpSpPr>
+      <p:sp>
+        <p:nvSpPr>
+          <p:cNvPr id="8" name="Title 1">
+            <a:extLst>
+              <a:ext uri="{FF2B5EF4-FFF2-40B4-BE49-F238E27FC236}">
+                <a16:creationId xmlns:a16="http://schemas.microsoft.com/office/drawing/2014/main" id="{594A294B-16E5-B276-9278-D1669CE66A68}"/>
+              </a:ext>
+            </a:extLst>
+          </p:cNvPr>
+          <p:cNvSpPr>
+            <a:spLocks noGrp="1"/>
+          </p:cNvSpPr>
+          <p:nvPr>
+            <p:ph type="title"/>
+          </p:nvPr>
+        </p:nvSpPr>
+        <p:spPr>
+          <a:xfrm>
+            <a:off x="1402731" y="3655051"/>
+            <a:ext cx="6825349" cy="1148400"/>
+          </a:xfrm>
+        </p:spPr>
+        <p:txBody>
+          <a:bodyPr/>
+          <a:lstStyle/>
+          <a:p>
+            <a:pPr algn="l"/>
+            <a:r>
+              <a:rPr lang="en-US" sz="3200" b="1" u="sng" dirty="0">
+                <a:latin typeface="+mn-lt"/>
+              </a:rPr>
+              <a:t>Multiscale community learning: </a:t>
+            </a:r>
+            <a:r>
+              <a:rPr lang="en-US" sz="4000" b="1" i="1" u="sng" dirty="0" err="1">
+                <a:latin typeface="+mn-lt"/>
+              </a:rPr>
+              <a:t>Walklets</a:t>
+            </a:r>
+            <a:endParaRPr lang="en-US" sz="3200" b="1" i="1" u="sng" dirty="0">
+              <a:latin typeface="+mn-lt"/>
+            </a:endParaRPr>
+          </a:p>
+        </p:txBody>
+      </p:sp>
+    </p:spTree>
+    <p:extLst>
+      <p:ext uri="{BB962C8B-B14F-4D97-AF65-F5344CB8AC3E}">
+        <p14:creationId xmlns:p14="http://schemas.microsoft.com/office/powerpoint/2010/main" val="2271089111"/>
+      </p:ext>
+    </p:extLst>
+  </p:cSld>
+  <p:clrMapOvr>
+    <a:masterClrMapping/>
+  </p:clrMapOvr>
+</p:sld>
+</file>
+
+<file path=ppt/slides/slide12.xml><?xml version="1.0" encoding="utf-8"?>
+<p:sld xmlns:a="http://schemas.openxmlformats.org/drawingml/2006/main" xmlns:r="http://schemas.openxmlformats.org/officeDocument/2006/relationships" xmlns:p="http://schemas.openxmlformats.org/presentationml/2006/main">
+  <p:cSld>
+    <p:spTree>
+      <p:nvGrpSpPr>
+        <p:cNvPr id="1" name="">
+          <a:extLst>
+            <a:ext uri="{FF2B5EF4-FFF2-40B4-BE49-F238E27FC236}">
+              <a16:creationId xmlns:a16="http://schemas.microsoft.com/office/drawing/2014/main" id="{61AF829A-D6BE-A4A3-EDA6-44CF9F541013}"/>
+            </a:ext>
+          </a:extLst>
+        </p:cNvPr>
+        <p:cNvGrpSpPr/>
+        <p:nvPr/>
+      </p:nvGrpSpPr>
+      <p:grpSpPr>
+        <a:xfrm>
+          <a:off x="0" y="0"/>
+          <a:ext cx="0" cy="0"/>
+          <a:chOff x="0" y="0"/>
+          <a:chExt cx="0" cy="0"/>
+        </a:xfrm>
+      </p:grpSpPr>
+      <p:sp>
+        <p:nvSpPr>
+          <p:cNvPr id="4" name="TextBox 3">
+            <a:extLst>
+              <a:ext uri="{FF2B5EF4-FFF2-40B4-BE49-F238E27FC236}">
+                <a16:creationId xmlns:a16="http://schemas.microsoft.com/office/drawing/2014/main" id="{14D9B45A-CD6C-9CFB-69DA-BD6ACAD05D44}"/>
+              </a:ext>
+            </a:extLst>
+          </p:cNvPr>
+          <p:cNvSpPr txBox="1"/>
+          <p:nvPr/>
+        </p:nvSpPr>
+        <p:spPr>
+          <a:xfrm>
+            <a:off x="1175993" y="642848"/>
+            <a:ext cx="7427033" cy="1754326"/>
+          </a:xfrm>
+          <a:prstGeom prst="rect">
+            <a:avLst/>
+          </a:prstGeom>
+          <a:noFill/>
+        </p:spPr>
+        <p:txBody>
+          <a:bodyPr wrap="none" rtlCol="0">
+            <a:spAutoFit/>
+          </a:bodyPr>
+          <a:lstStyle/>
+          <a:p>
+            <a:r>
+              <a:rPr lang="en-US" u="sng" dirty="0"/>
+              <a:t>Motivation:</a:t>
+            </a:r>
+          </a:p>
+          <a:p>
+            <a:r>
+              <a:rPr lang="en-US" i="1" dirty="0"/>
+              <a:t>	On larger networks, like social ones, we often have the situation where a </a:t>
+            </a:r>
+          </a:p>
+          <a:p>
+            <a:r>
+              <a:rPr lang="en-US" i="1" dirty="0"/>
+              <a:t>	two nodes share the same community but they are not close to each other</a:t>
+            </a:r>
+          </a:p>
+          <a:p>
+            <a:r>
+              <a:rPr lang="en-US" i="1" dirty="0"/>
+              <a:t>	(not directly linked).</a:t>
+            </a:r>
+          </a:p>
+          <a:p>
+            <a:r>
+              <a:rPr lang="en-US" i="1" dirty="0"/>
+              <a:t>	</a:t>
+            </a:r>
+            <a:r>
+              <a:rPr lang="en-US" i="1" dirty="0">
+                <a:sym typeface="Wingdings" panose="05000000000000000000" pitchFamily="2" charset="2"/>
+              </a:rPr>
+              <a:t></a:t>
+            </a:r>
+            <a:r>
+              <a:rPr lang="en-US" i="1" dirty="0"/>
+              <a:t>we need an algorithm that preserves the information of k distanced</a:t>
+            </a:r>
+          </a:p>
+          <a:p>
+            <a:r>
+              <a:rPr lang="en-US" i="1" dirty="0"/>
+              <a:t>	     </a:t>
+            </a:r>
+            <a:r>
+              <a:rPr lang="en-US" i="1" dirty="0" err="1"/>
+              <a:t>neighbours</a:t>
+            </a:r>
+            <a:r>
+              <a:rPr lang="en-US" i="1" dirty="0"/>
+              <a:t> </a:t>
+            </a:r>
+          </a:p>
+        </p:txBody>
+      </p:sp>
+      <p:sp>
+        <p:nvSpPr>
+          <p:cNvPr id="2" name="TextBox 1">
+            <a:extLst>
+              <a:ext uri="{FF2B5EF4-FFF2-40B4-BE49-F238E27FC236}">
+                <a16:creationId xmlns:a16="http://schemas.microsoft.com/office/drawing/2014/main" id="{21513237-D83F-15E5-8538-DF75DE0094FA}"/>
+              </a:ext>
+            </a:extLst>
+          </p:cNvPr>
+          <p:cNvSpPr txBox="1"/>
+          <p:nvPr/>
+        </p:nvSpPr>
+        <p:spPr>
+          <a:xfrm>
+            <a:off x="1175993" y="2685164"/>
+            <a:ext cx="6562502" cy="1477328"/>
+          </a:xfrm>
+          <a:prstGeom prst="rect">
+            <a:avLst/>
+          </a:prstGeom>
+          <a:noFill/>
+        </p:spPr>
+        <p:txBody>
+          <a:bodyPr wrap="none" rtlCol="0">
+            <a:spAutoFit/>
+          </a:bodyPr>
+          <a:lstStyle/>
+          <a:p>
+            <a:r>
+              <a:rPr lang="en-US" u="sng" dirty="0"/>
+              <a:t>Implementation</a:t>
+            </a:r>
+          </a:p>
+          <a:p>
+            <a:r>
+              <a:rPr lang="en-US" i="1" dirty="0"/>
+              <a:t>-</a:t>
+            </a:r>
+            <a:r>
+              <a:rPr lang="en-US" dirty="0"/>
+              <a:t>choose a scale to learn k</a:t>
+            </a:r>
+          </a:p>
+          <a:p>
+            <a:r>
+              <a:rPr lang="en-US" dirty="0"/>
+              <a:t>-create the corpus via RW, the modify by ignoring k=scale elements</a:t>
+            </a:r>
+          </a:p>
+          <a:p>
+            <a:r>
+              <a:rPr lang="en-US" dirty="0"/>
+              <a:t>-obtain the embeddings by training on the new corpus	</a:t>
+            </a:r>
+          </a:p>
+          <a:p>
+            <a:r>
+              <a:rPr lang="en-US" dirty="0">
+                <a:sym typeface="Wingdings" panose="05000000000000000000" pitchFamily="2" charset="2"/>
+              </a:rPr>
+              <a:t>	Multiscale Latent Representations</a:t>
+            </a:r>
+            <a:endParaRPr lang="en-US" dirty="0"/>
+          </a:p>
+        </p:txBody>
+      </p:sp>
+      <p:pic>
+        <p:nvPicPr>
+          <p:cNvPr id="9" name="Picture 8">
+            <a:extLst>
+              <a:ext uri="{FF2B5EF4-FFF2-40B4-BE49-F238E27FC236}">
+                <a16:creationId xmlns:a16="http://schemas.microsoft.com/office/drawing/2014/main" id="{87233CD0-5C0F-64A7-2E14-72E8B5D2A940}"/>
+              </a:ext>
+            </a:extLst>
+          </p:cNvPr>
+          <p:cNvPicPr>
+            <a:picLocks noChangeAspect="1"/>
+          </p:cNvPicPr>
+          <p:nvPr/>
+        </p:nvPicPr>
+        <p:blipFill>
+          <a:blip r:embed="rId2">
+            <a:extLst>
+              <a:ext uri="{28A0092B-C50C-407E-A947-70E740481C1C}">
+                <a14:useLocalDpi xmlns:a14="http://schemas.microsoft.com/office/drawing/2010/main" val="0"/>
+              </a:ext>
+            </a:extLst>
+          </a:blip>
+          <a:stretch>
+            <a:fillRect/>
+          </a:stretch>
+        </p:blipFill>
+        <p:spPr>
+          <a:xfrm>
+            <a:off x="1645610" y="4211962"/>
+            <a:ext cx="2146669" cy="577380"/>
+          </a:xfrm>
+          <a:prstGeom prst="rect">
+            <a:avLst/>
+          </a:prstGeom>
+        </p:spPr>
+      </p:pic>
+      <p:sp>
+        <p:nvSpPr>
+          <p:cNvPr id="10" name="TextBox 9">
+            <a:extLst>
+              <a:ext uri="{FF2B5EF4-FFF2-40B4-BE49-F238E27FC236}">
+                <a16:creationId xmlns:a16="http://schemas.microsoft.com/office/drawing/2014/main" id="{52D14E99-82BA-C8B8-32EE-F6D8863998C3}"/>
+              </a:ext>
+            </a:extLst>
+          </p:cNvPr>
+          <p:cNvSpPr txBox="1"/>
+          <p:nvPr/>
+        </p:nvSpPr>
+        <p:spPr>
+          <a:xfrm>
+            <a:off x="3942874" y="4349714"/>
+            <a:ext cx="3868776" cy="523220"/>
+          </a:xfrm>
+          <a:prstGeom prst="rect">
+            <a:avLst/>
+          </a:prstGeom>
+          <a:noFill/>
+        </p:spPr>
+        <p:txBody>
+          <a:bodyPr wrap="square" rtlCol="0">
+            <a:spAutoFit/>
+          </a:bodyPr>
+          <a:lstStyle/>
+          <a:p>
+            <a:r>
+              <a:rPr lang="en-US" sz="1400" i="1" dirty="0"/>
+              <a:t>J seeks to maximize the log likelihood</a:t>
+            </a:r>
+          </a:p>
+          <a:p>
+            <a:r>
+              <a:rPr lang="en-US" sz="1400" i="1" dirty="0"/>
+              <a:t>of vi co-occurring with context node </a:t>
+            </a:r>
+            <a:r>
+              <a:rPr lang="en-US" sz="1400" i="1" dirty="0" err="1"/>
+              <a:t>vj</a:t>
+            </a:r>
+            <a:endParaRPr lang="en-US" sz="1400" i="1" dirty="0"/>
+          </a:p>
+        </p:txBody>
+      </p:sp>
+    </p:spTree>
+    <p:extLst>
+      <p:ext uri="{BB962C8B-B14F-4D97-AF65-F5344CB8AC3E}">
+        <p14:creationId xmlns:p14="http://schemas.microsoft.com/office/powerpoint/2010/main" val="3416320561"/>
+      </p:ext>
+    </p:extLst>
+  </p:cSld>
+  <p:clrMapOvr>
+    <a:masterClrMapping/>
+  </p:clrMapOvr>
+</p:sld>
+</file>
+
+<file path=ppt/slides/slide13.xml><?xml version="1.0" encoding="utf-8"?>
+<p:sld xmlns:a="http://schemas.openxmlformats.org/drawingml/2006/main" xmlns:r="http://schemas.openxmlformats.org/officeDocument/2006/relationships" xmlns:p="http://schemas.openxmlformats.org/presentationml/2006/main">
+  <p:cSld>
+    <p:spTree>
+      <p:nvGrpSpPr>
+        <p:cNvPr id="1" name=""/>
+        <p:cNvGrpSpPr/>
+        <p:nvPr/>
+      </p:nvGrpSpPr>
+      <p:grpSpPr>
+        <a:xfrm>
+          <a:off x="0" y="0"/>
+          <a:ext cx="0" cy="0"/>
+          <a:chOff x="0" y="0"/>
+          <a:chExt cx="0" cy="0"/>
+        </a:xfrm>
+      </p:grpSpPr>
+      <p:pic>
+        <p:nvPicPr>
+          <p:cNvPr id="6" name="Picture 5">
+            <a:extLst>
+              <a:ext uri="{FF2B5EF4-FFF2-40B4-BE49-F238E27FC236}">
+                <a16:creationId xmlns:a16="http://schemas.microsoft.com/office/drawing/2014/main" id="{854B0E38-BA2B-152C-931E-4E1FA0917A0D}"/>
+              </a:ext>
+            </a:extLst>
+          </p:cNvPr>
+          <p:cNvPicPr>
+            <a:picLocks noChangeAspect="1"/>
+          </p:cNvPicPr>
+          <p:nvPr/>
+        </p:nvPicPr>
+        <p:blipFill>
+          <a:blip r:embed="rId2">
+            <a:extLst>
+              <a:ext uri="{28A0092B-C50C-407E-A947-70E740481C1C}">
+                <a14:useLocalDpi xmlns:a14="http://schemas.microsoft.com/office/drawing/2010/main" val="0"/>
+              </a:ext>
+            </a:extLst>
+          </a:blip>
+          <a:stretch>
+            <a:fillRect/>
+          </a:stretch>
+        </p:blipFill>
+        <p:spPr>
+          <a:xfrm>
+            <a:off x="1375144" y="56940"/>
+            <a:ext cx="7185838" cy="1872724"/>
+          </a:xfrm>
+          <a:prstGeom prst="rect">
+            <a:avLst/>
+          </a:prstGeom>
+        </p:spPr>
+      </p:pic>
+      <mc:AlternateContent xmlns:mc="http://schemas.openxmlformats.org/markup-compatibility/2006">
+        <mc:Choice xmlns:a14="http://schemas.microsoft.com/office/drawing/2010/main" Requires="a14">
+          <p:sp>
+            <p:nvSpPr>
+              <p:cNvPr id="4" name="TextBox 3">
+                <a:extLst>
+                  <a:ext uri="{FF2B5EF4-FFF2-40B4-BE49-F238E27FC236}">
+                    <a16:creationId xmlns:a16="http://schemas.microsoft.com/office/drawing/2014/main" id="{F08DCF01-4C51-EF20-5635-D33010B3F7F4}"/>
+                  </a:ext>
+                </a:extLst>
+              </p:cNvPr>
+              <p:cNvSpPr txBox="1"/>
+              <p:nvPr/>
+            </p:nvSpPr>
+            <p:spPr>
+              <a:xfrm>
+                <a:off x="1677233" y="2197480"/>
+                <a:ext cx="6805196" cy="704808"/>
+              </a:xfrm>
+              <a:prstGeom prst="rect">
+                <a:avLst/>
+              </a:prstGeom>
+              <a:noFill/>
+            </p:spPr>
+            <p:txBody>
+              <a:bodyPr wrap="none" rtlCol="0">
+                <a:spAutoFit/>
+              </a:bodyPr>
+              <a:lstStyle/>
+              <a:p>
+                <a14:m>
+                  <m:oMath xmlns:m="http://schemas.openxmlformats.org/officeDocument/2006/math">
+                    <m:sSup>
+                      <m:sSupPr>
+                        <m:ctrlPr>
+                          <a:rPr lang="en-US" i="1" smtClean="0">
+                            <a:latin typeface="Cambria Math" panose="02040503050406030204" pitchFamily="18" charset="0"/>
+                          </a:rPr>
+                        </m:ctrlPr>
+                      </m:sSupPr>
+                      <m:e>
+                        <m:r>
+                          <a:rPr lang="en-US" b="0" i="1" smtClean="0">
+                            <a:latin typeface="Cambria Math" panose="02040503050406030204" pitchFamily="18" charset="0"/>
+                          </a:rPr>
+                          <m:t>𝐴</m:t>
+                        </m:r>
+                      </m:e>
+                      <m:sup>
+                        <m:r>
+                          <a:rPr lang="en-US" b="0" i="1" smtClean="0">
+                            <a:latin typeface="Cambria Math" panose="02040503050406030204" pitchFamily="18" charset="0"/>
+                          </a:rPr>
+                          <m:t>𝑘</m:t>
+                        </m:r>
+                      </m:sup>
+                    </m:sSup>
+                  </m:oMath>
+                </a14:m>
+                <a:r>
+                  <a:rPr lang="en-US" dirty="0"/>
+                  <a:t>=</a:t>
+                </a:r>
+                <a:r>
+                  <a:rPr lang="en-US" dirty="0" err="1"/>
+                  <a:t>adjency</a:t>
+                </a:r>
+                <a:r>
+                  <a:rPr lang="en-US" dirty="0"/>
+                  <a:t> matrix at scale k</a:t>
+                </a:r>
+              </a:p>
+              <a:p>
+                <a14:m>
+                  <m:oMath xmlns:m="http://schemas.openxmlformats.org/officeDocument/2006/math">
+                    <m:sSubSup>
+                      <m:sSubSupPr>
+                        <m:ctrlPr>
+                          <a:rPr lang="en-US" i="1" smtClean="0">
+                            <a:latin typeface="Cambria Math" panose="02040503050406030204" pitchFamily="18" charset="0"/>
+                          </a:rPr>
+                        </m:ctrlPr>
+                      </m:sSubSupPr>
+                      <m:e>
+                        <m:r>
+                          <a:rPr lang="en-US" b="0" i="1" smtClean="0">
+                            <a:latin typeface="Cambria Math" panose="02040503050406030204" pitchFamily="18" charset="0"/>
+                          </a:rPr>
+                          <m:t>𝐴</m:t>
+                        </m:r>
+                      </m:e>
+                      <m:sub>
+                        <m:r>
+                          <a:rPr lang="en-US" b="0" i="1" smtClean="0">
+                            <a:latin typeface="Cambria Math" panose="02040503050406030204" pitchFamily="18" charset="0"/>
+                          </a:rPr>
+                          <m:t>𝑖</m:t>
+                        </m:r>
+                        <m:r>
+                          <a:rPr lang="en-US" b="0" i="1" smtClean="0">
+                            <a:latin typeface="Cambria Math" panose="02040503050406030204" pitchFamily="18" charset="0"/>
+                          </a:rPr>
+                          <m:t>,</m:t>
+                        </m:r>
+                        <m:r>
+                          <a:rPr lang="en-US" b="0" i="1" smtClean="0">
+                            <a:latin typeface="Cambria Math" panose="02040503050406030204" pitchFamily="18" charset="0"/>
+                          </a:rPr>
+                          <m:t>𝑗</m:t>
+                        </m:r>
+                      </m:sub>
+                      <m:sup>
+                        <m:r>
+                          <a:rPr lang="en-US" b="0" i="1" smtClean="0">
+                            <a:latin typeface="Cambria Math" panose="02040503050406030204" pitchFamily="18" charset="0"/>
+                          </a:rPr>
+                          <m:t>𝑘</m:t>
+                        </m:r>
+                      </m:sup>
+                    </m:sSubSup>
+                  </m:oMath>
+                </a14:m>
+                <a:r>
+                  <a:rPr lang="en-US" dirty="0"/>
+                  <a:t>=the number of paths between node </a:t>
+                </a:r>
+                <a14:m>
+                  <m:oMath xmlns:m="http://schemas.openxmlformats.org/officeDocument/2006/math">
+                    <m:sSub>
+                      <m:sSubPr>
+                        <m:ctrlPr>
+                          <a:rPr lang="en-US" i="1" smtClean="0">
+                            <a:latin typeface="Cambria Math" panose="02040503050406030204" pitchFamily="18" charset="0"/>
+                          </a:rPr>
+                        </m:ctrlPr>
+                      </m:sSubPr>
+                      <m:e>
+                        <m:r>
+                          <a:rPr lang="en-US" b="0" i="1" smtClean="0">
+                            <a:latin typeface="Cambria Math" panose="02040503050406030204" pitchFamily="18" charset="0"/>
+                          </a:rPr>
+                          <m:t>𝑛𝑜𝑑𝑒</m:t>
+                        </m:r>
+                      </m:e>
+                      <m:sub>
+                        <m:r>
+                          <a:rPr lang="en-US" b="0" i="1" smtClean="0">
+                            <a:latin typeface="Cambria Math" panose="02040503050406030204" pitchFamily="18" charset="0"/>
+                          </a:rPr>
+                          <m:t>𝑖</m:t>
+                        </m:r>
+                        <m:r>
+                          <a:rPr lang="en-US" b="0" i="1" smtClean="0">
+                            <a:latin typeface="Cambria Math" panose="02040503050406030204" pitchFamily="18" charset="0"/>
+                          </a:rPr>
+                          <m:t> </m:t>
+                        </m:r>
+                      </m:sub>
+                    </m:sSub>
+                    <m:r>
+                      <a:rPr lang="en-US" b="0" i="1" smtClean="0">
+                        <a:latin typeface="Cambria Math" panose="02040503050406030204" pitchFamily="18" charset="0"/>
+                      </a:rPr>
+                      <m:t> </m:t>
+                    </m:r>
+                    <m:r>
+                      <m:rPr>
+                        <m:sty m:val="p"/>
+                      </m:rPr>
+                      <a:rPr lang="en-US" b="0" i="0" smtClean="0"/>
+                      <m:t>and</m:t>
+                    </m:r>
+                    <m:r>
+                      <a:rPr lang="en-US" b="0" i="1" smtClean="0"/>
+                      <m:t> </m:t>
+                    </m:r>
+                    <m:r>
+                      <a:rPr lang="en-US" b="0" i="1" smtClean="0">
+                        <a:latin typeface="Cambria Math" panose="02040503050406030204" pitchFamily="18" charset="0"/>
+                      </a:rPr>
+                      <m:t> </m:t>
+                    </m:r>
+                    <m:sSub>
+                      <m:sSubPr>
+                        <m:ctrlPr>
+                          <a:rPr lang="en-US" i="1">
+                            <a:latin typeface="Cambria Math" panose="02040503050406030204" pitchFamily="18" charset="0"/>
+                          </a:rPr>
+                        </m:ctrlPr>
+                      </m:sSubPr>
+                      <m:e>
+                        <m:r>
+                          <a:rPr lang="en-US" i="1">
+                            <a:latin typeface="Cambria Math" panose="02040503050406030204" pitchFamily="18" charset="0"/>
+                          </a:rPr>
+                          <m:t>𝑛𝑜𝑑𝑒</m:t>
+                        </m:r>
+                      </m:e>
+                      <m:sub>
+                        <m:r>
+                          <a:rPr lang="en-US" b="0" i="1" smtClean="0">
+                            <a:latin typeface="Cambria Math" panose="02040503050406030204" pitchFamily="18" charset="0"/>
+                          </a:rPr>
+                          <m:t>𝑗</m:t>
+                        </m:r>
+                      </m:sub>
+                    </m:sSub>
+                  </m:oMath>
+                </a14:m>
+                <a:r>
+                  <a:rPr lang="en-US" dirty="0"/>
+                  <a:t> of k length</a:t>
+                </a:r>
+              </a:p>
+            </p:txBody>
+          </p:sp>
+        </mc:Choice>
+        <mc:Fallback>
+          <p:sp>
+            <p:nvSpPr>
+              <p:cNvPr id="4" name="TextBox 3">
+                <a:extLst>
+                  <a:ext uri="{FF2B5EF4-FFF2-40B4-BE49-F238E27FC236}">
+                    <a16:creationId xmlns:a16="http://schemas.microsoft.com/office/drawing/2014/main" id="{F08DCF01-4C51-EF20-5635-D33010B3F7F4}"/>
+                  </a:ext>
+                </a:extLst>
+              </p:cNvPr>
+              <p:cNvSpPr txBox="1">
+                <a:spLocks noRot="1" noChangeAspect="1" noMove="1" noResize="1" noEditPoints="1" noAdjustHandles="1" noChangeArrowheads="1" noChangeShapeType="1" noTextEdit="1"/>
+              </p:cNvSpPr>
+              <p:nvPr/>
+            </p:nvSpPr>
+            <p:spPr>
+              <a:xfrm>
+                <a:off x="1677233" y="2197480"/>
+                <a:ext cx="6805196" cy="704808"/>
+              </a:xfrm>
+              <a:prstGeom prst="rect">
+                <a:avLst/>
+              </a:prstGeom>
+              <a:blipFill>
+                <a:blip r:embed="rId3"/>
+                <a:stretch>
+                  <a:fillRect t="-3448" b="-8621"/>
+                </a:stretch>
+              </a:blipFill>
+            </p:spPr>
+            <p:txBody>
+              <a:bodyPr/>
+              <a:lstStyle/>
+              <a:p>
+                <a:r>
+                  <a:rPr lang="en-US">
+                    <a:noFill/>
+                  </a:rPr>
+                  <a:t> </a:t>
+                </a:r>
+              </a:p>
+            </p:txBody>
+          </p:sp>
+        </mc:Fallback>
+      </mc:AlternateContent>
+      <p:sp>
+        <p:nvSpPr>
+          <p:cNvPr id="8" name="TextBox 7">
+            <a:extLst>
+              <a:ext uri="{FF2B5EF4-FFF2-40B4-BE49-F238E27FC236}">
+                <a16:creationId xmlns:a16="http://schemas.microsoft.com/office/drawing/2014/main" id="{0A99FFB1-5495-A48A-F09C-E17A805C4621}"/>
+              </a:ext>
+            </a:extLst>
+          </p:cNvPr>
+          <p:cNvSpPr txBox="1"/>
+          <p:nvPr/>
+        </p:nvSpPr>
+        <p:spPr>
+          <a:xfrm>
+            <a:off x="1141228" y="3170104"/>
+            <a:ext cx="1377300" cy="369332"/>
+          </a:xfrm>
+          <a:prstGeom prst="rect">
+            <a:avLst/>
+          </a:prstGeom>
+          <a:noFill/>
+        </p:spPr>
+        <p:txBody>
+          <a:bodyPr wrap="none" rtlCol="0">
+            <a:spAutoFit/>
+          </a:bodyPr>
+          <a:lstStyle/>
+          <a:p>
+            <a:r>
+              <a:rPr lang="en-US" i="1" dirty="0"/>
+              <a:t>Probabilities</a:t>
+            </a:r>
+          </a:p>
+        </p:txBody>
+      </p:sp>
+      <p:pic>
+        <p:nvPicPr>
+          <p:cNvPr id="10" name="Picture 9">
+            <a:extLst>
+              <a:ext uri="{FF2B5EF4-FFF2-40B4-BE49-F238E27FC236}">
+                <a16:creationId xmlns:a16="http://schemas.microsoft.com/office/drawing/2014/main" id="{681D806B-B87B-ACDA-ABAA-8D8EECFA7566}"/>
+              </a:ext>
+            </a:extLst>
+          </p:cNvPr>
+          <p:cNvPicPr>
+            <a:picLocks noChangeAspect="1"/>
+          </p:cNvPicPr>
+          <p:nvPr/>
+        </p:nvPicPr>
+        <p:blipFill>
+          <a:blip r:embed="rId4">
+            <a:extLst>
+              <a:ext uri="{28A0092B-C50C-407E-A947-70E740481C1C}">
+                <a14:useLocalDpi xmlns:a14="http://schemas.microsoft.com/office/drawing/2010/main" val="0"/>
+              </a:ext>
+            </a:extLst>
+          </a:blip>
+          <a:stretch>
+            <a:fillRect/>
+          </a:stretch>
+        </p:blipFill>
+        <p:spPr>
+          <a:xfrm>
+            <a:off x="1998920" y="3579000"/>
+            <a:ext cx="3358559" cy="456503"/>
+          </a:xfrm>
+          <a:prstGeom prst="rect">
+            <a:avLst/>
+          </a:prstGeom>
+        </p:spPr>
+      </p:pic>
+      <p:pic>
+        <p:nvPicPr>
+          <p:cNvPr id="12" name="Picture 11">
+            <a:extLst>
+              <a:ext uri="{FF2B5EF4-FFF2-40B4-BE49-F238E27FC236}">
+                <a16:creationId xmlns:a16="http://schemas.microsoft.com/office/drawing/2014/main" id="{DF7FEA0D-5870-6C14-07B2-AD7E3B2435BC}"/>
+              </a:ext>
+            </a:extLst>
+          </p:cNvPr>
+          <p:cNvPicPr>
+            <a:picLocks noChangeAspect="1"/>
+          </p:cNvPicPr>
+          <p:nvPr/>
+        </p:nvPicPr>
+        <p:blipFill>
+          <a:blip r:embed="rId5">
+            <a:extLst>
+              <a:ext uri="{28A0092B-C50C-407E-A947-70E740481C1C}">
+                <a14:useLocalDpi xmlns:a14="http://schemas.microsoft.com/office/drawing/2010/main" val="0"/>
+              </a:ext>
+            </a:extLst>
+          </a:blip>
+          <a:stretch>
+            <a:fillRect/>
+          </a:stretch>
+        </p:blipFill>
+        <p:spPr>
+          <a:xfrm>
+            <a:off x="1197934" y="4231356"/>
+            <a:ext cx="3124642" cy="568117"/>
+          </a:xfrm>
+          <a:prstGeom prst="rect">
+            <a:avLst/>
+          </a:prstGeom>
+        </p:spPr>
+      </p:pic>
+      <p:pic>
+        <p:nvPicPr>
+          <p:cNvPr id="14" name="Picture 13">
+            <a:extLst>
+              <a:ext uri="{FF2B5EF4-FFF2-40B4-BE49-F238E27FC236}">
+                <a16:creationId xmlns:a16="http://schemas.microsoft.com/office/drawing/2014/main" id="{CC8F7E74-176F-C61C-F761-30BCC1D1E438}"/>
+              </a:ext>
+            </a:extLst>
+          </p:cNvPr>
+          <p:cNvPicPr>
+            <a:picLocks noChangeAspect="1"/>
+          </p:cNvPicPr>
+          <p:nvPr/>
+        </p:nvPicPr>
+        <p:blipFill>
+          <a:blip r:embed="rId6">
+            <a:extLst>
+              <a:ext uri="{28A0092B-C50C-407E-A947-70E740481C1C}">
+                <a14:useLocalDpi xmlns:a14="http://schemas.microsoft.com/office/drawing/2010/main" val="0"/>
+              </a:ext>
+            </a:extLst>
+          </a:blip>
+          <a:stretch>
+            <a:fillRect/>
+          </a:stretch>
+        </p:blipFill>
+        <p:spPr>
+          <a:xfrm>
+            <a:off x="4658991" y="4250953"/>
+            <a:ext cx="4187297" cy="528921"/>
+          </a:xfrm>
+          <a:prstGeom prst="rect">
+            <a:avLst/>
+          </a:prstGeom>
+        </p:spPr>
+      </p:pic>
+    </p:spTree>
+    <p:extLst>
+      <p:ext uri="{BB962C8B-B14F-4D97-AF65-F5344CB8AC3E}">
+        <p14:creationId xmlns:p14="http://schemas.microsoft.com/office/powerpoint/2010/main" val="3935804419"/>
+      </p:ext>
+    </p:extLst>
+  </p:cSld>
+  <p:clrMapOvr>
+    <a:masterClrMapping/>
+  </p:clrMapOvr>
+</p:sld>
+</file>
+
+<file path=ppt/slides/slide14.xml><?xml version="1.0" encoding="utf-8"?>
+<p:sld xmlns:a="http://schemas.openxmlformats.org/drawingml/2006/main" xmlns:r="http://schemas.openxmlformats.org/officeDocument/2006/relationships" xmlns:p="http://schemas.openxmlformats.org/presentationml/2006/main">
+  <p:cSld>
+    <p:spTree>
+      <p:nvGrpSpPr>
+        <p:cNvPr id="1" name=""/>
+        <p:cNvGrpSpPr/>
+        <p:nvPr/>
+      </p:nvGrpSpPr>
+      <p:grpSpPr>
+        <a:xfrm>
+          <a:off x="0" y="0"/>
+          <a:ext cx="0" cy="0"/>
+          <a:chOff x="0" y="0"/>
+          <a:chExt cx="0" cy="0"/>
+        </a:xfrm>
+      </p:grpSpPr>
+      <p:pic>
+        <p:nvPicPr>
+          <p:cNvPr id="7" name="Picture 6">
+            <a:extLst>
+              <a:ext uri="{FF2B5EF4-FFF2-40B4-BE49-F238E27FC236}">
+                <a16:creationId xmlns:a16="http://schemas.microsoft.com/office/drawing/2014/main" id="{269BE821-8A71-1332-C692-50BD86BB80C0}"/>
+              </a:ext>
+            </a:extLst>
+          </p:cNvPr>
+          <p:cNvPicPr>
+            <a:picLocks noChangeAspect="1"/>
+          </p:cNvPicPr>
+          <p:nvPr/>
+        </p:nvPicPr>
+        <p:blipFill>
+          <a:blip r:embed="rId2">
+            <a:extLst>
+              <a:ext uri="{28A0092B-C50C-407E-A947-70E740481C1C}">
+                <a14:useLocalDpi xmlns:a14="http://schemas.microsoft.com/office/drawing/2010/main" val="0"/>
+              </a:ext>
+            </a:extLst>
+          </a:blip>
+          <a:stretch>
+            <a:fillRect/>
+          </a:stretch>
+        </p:blipFill>
+        <p:spPr>
+          <a:xfrm>
+            <a:off x="1084520" y="0"/>
+            <a:ext cx="7414437" cy="2006009"/>
+          </a:xfrm>
+          <a:prstGeom prst="rect">
+            <a:avLst/>
+          </a:prstGeom>
+        </p:spPr>
+      </p:pic>
+      <p:pic>
+        <p:nvPicPr>
+          <p:cNvPr id="5" name="Picture 4">
+            <a:extLst>
+              <a:ext uri="{FF2B5EF4-FFF2-40B4-BE49-F238E27FC236}">
+                <a16:creationId xmlns:a16="http://schemas.microsoft.com/office/drawing/2014/main" id="{2CD16EF5-3B73-3D56-8F86-0BA7B2D7EF26}"/>
+              </a:ext>
+            </a:extLst>
+          </p:cNvPr>
+          <p:cNvPicPr>
+            <a:picLocks noChangeAspect="1"/>
+          </p:cNvPicPr>
+          <p:nvPr/>
+        </p:nvPicPr>
+        <p:blipFill>
+          <a:blip r:embed="rId3">
+            <a:extLst>
+              <a:ext uri="{28A0092B-C50C-407E-A947-70E740481C1C}">
+                <a14:useLocalDpi xmlns:a14="http://schemas.microsoft.com/office/drawing/2010/main" val="0"/>
+              </a:ext>
+            </a:extLst>
+          </a:blip>
+          <a:stretch>
+            <a:fillRect/>
+          </a:stretch>
+        </p:blipFill>
+        <p:spPr>
+          <a:xfrm>
+            <a:off x="1179770" y="2696921"/>
+            <a:ext cx="7234128" cy="2446579"/>
+          </a:xfrm>
+          <a:prstGeom prst="rect">
+            <a:avLst/>
+          </a:prstGeom>
+        </p:spPr>
+      </p:pic>
+    </p:spTree>
+    <p:extLst>
+      <p:ext uri="{BB962C8B-B14F-4D97-AF65-F5344CB8AC3E}">
+        <p14:creationId xmlns:p14="http://schemas.microsoft.com/office/powerpoint/2010/main" val="1752187017"/>
+      </p:ext>
+    </p:extLst>
+  </p:cSld>
+  <p:clrMapOvr>
+    <a:masterClrMapping/>
+  </p:clrMapOvr>
+</p:sld>
+</file>
+
+<file path=ppt/slides/slide15.xml><?xml version="1.0" encoding="utf-8"?>
+<p:sld xmlns:a="http://schemas.openxmlformats.org/drawingml/2006/main" xmlns:r="http://schemas.openxmlformats.org/officeDocument/2006/relationships" xmlns:p="http://schemas.openxmlformats.org/presentationml/2006/main">
+  <p:cSld>
+    <p:spTree>
+      <p:nvGrpSpPr>
+        <p:cNvPr id="1" name="">
+          <a:extLst>
+            <a:ext uri="{FF2B5EF4-FFF2-40B4-BE49-F238E27FC236}">
+              <a16:creationId xmlns:a16="http://schemas.microsoft.com/office/drawing/2014/main" id="{A7444ADD-C352-72DF-3B48-0F7741752C79}"/>
+            </a:ext>
+          </a:extLst>
+        </p:cNvPr>
+        <p:cNvGrpSpPr/>
+        <p:nvPr/>
+      </p:nvGrpSpPr>
+      <p:grpSpPr>
+        <a:xfrm>
+          <a:off x="0" y="0"/>
+          <a:ext cx="0" cy="0"/>
+          <a:chOff x="0" y="0"/>
+          <a:chExt cx="0" cy="0"/>
+        </a:xfrm>
+      </p:grpSpPr>
+      <p:sp>
+        <p:nvSpPr>
+          <p:cNvPr id="8" name="Title 1">
+            <a:extLst>
+              <a:ext uri="{FF2B5EF4-FFF2-40B4-BE49-F238E27FC236}">
+                <a16:creationId xmlns:a16="http://schemas.microsoft.com/office/drawing/2014/main" id="{B4D1B303-FEC5-C00C-A7F5-A24AAF7AFBD6}"/>
+              </a:ext>
+            </a:extLst>
+          </p:cNvPr>
+          <p:cNvSpPr>
+            <a:spLocks noGrp="1"/>
+          </p:cNvSpPr>
+          <p:nvPr>
+            <p:ph type="title"/>
+          </p:nvPr>
+        </p:nvSpPr>
+        <p:spPr>
+          <a:xfrm>
+            <a:off x="1402731" y="3655051"/>
+            <a:ext cx="6825349" cy="1148400"/>
+          </a:xfrm>
+        </p:spPr>
+        <p:txBody>
+          <a:bodyPr/>
+          <a:lstStyle/>
+          <a:p>
+            <a:pPr algn="l"/>
+            <a:r>
+              <a:rPr lang="en-US" sz="3200" b="1" u="sng" dirty="0">
+                <a:latin typeface="+mn-lt"/>
+              </a:rPr>
+              <a:t>Embeddings testing:</a:t>
+            </a:r>
+            <a:br>
+              <a:rPr lang="en-US" sz="3200" b="1" u="sng" dirty="0">
+                <a:latin typeface="+mn-lt"/>
+              </a:rPr>
+            </a:br>
+            <a:r>
+              <a:rPr lang="en-US" sz="4000" b="1" i="1" u="sng" dirty="0" err="1">
+                <a:latin typeface="+mn-lt"/>
+              </a:rPr>
+              <a:t>Walklets</a:t>
+            </a:r>
+            <a:endParaRPr lang="en-US" sz="3200" b="1" i="1" u="sng" dirty="0">
+              <a:latin typeface="+mn-lt"/>
+            </a:endParaRPr>
+          </a:p>
+        </p:txBody>
+      </p:sp>
+    </p:spTree>
+    <p:extLst>
+      <p:ext uri="{BB962C8B-B14F-4D97-AF65-F5344CB8AC3E}">
+        <p14:creationId xmlns:p14="http://schemas.microsoft.com/office/powerpoint/2010/main" val="3526800414"/>
+      </p:ext>
+    </p:extLst>
+  </p:cSld>
+  <p:clrMapOvr>
+    <a:masterClrMapping/>
+  </p:clrMapOvr>
+</p:sld>
+</file>
+
+<file path=ppt/slides/slide16.xml><?xml version="1.0" encoding="utf-8"?>
+<p:sld xmlns:a="http://schemas.openxmlformats.org/drawingml/2006/main" xmlns:r="http://schemas.openxmlformats.org/officeDocument/2006/relationships" xmlns:p="http://schemas.openxmlformats.org/presentationml/2006/main">
+  <p:cSld>
+    <p:spTree>
+      <p:nvGrpSpPr>
+        <p:cNvPr id="1" name=""/>
+        <p:cNvGrpSpPr/>
+        <p:nvPr/>
+      </p:nvGrpSpPr>
+      <p:grpSpPr>
+        <a:xfrm>
+          <a:off x="0" y="0"/>
+          <a:ext cx="0" cy="0"/>
+          <a:chOff x="0" y="0"/>
+          <a:chExt cx="0" cy="0"/>
+        </a:xfrm>
+      </p:grpSpPr>
+      <p:sp>
+        <p:nvSpPr>
+          <p:cNvPr id="4" name="TextBox 3">
+            <a:extLst>
+              <a:ext uri="{FF2B5EF4-FFF2-40B4-BE49-F238E27FC236}">
+                <a16:creationId xmlns:a16="http://schemas.microsoft.com/office/drawing/2014/main" id="{5E9490F3-6AFB-71B8-6936-48D1477CBD8C}"/>
+              </a:ext>
+            </a:extLst>
+          </p:cNvPr>
+          <p:cNvSpPr txBox="1"/>
+          <p:nvPr/>
+        </p:nvSpPr>
+        <p:spPr>
+          <a:xfrm>
+            <a:off x="1360967" y="425302"/>
+            <a:ext cx="1497269" cy="369332"/>
+          </a:xfrm>
+          <a:prstGeom prst="rect">
+            <a:avLst/>
+          </a:prstGeom>
+          <a:noFill/>
+        </p:spPr>
+        <p:txBody>
+          <a:bodyPr wrap="none" rtlCol="0">
+            <a:spAutoFit/>
+          </a:bodyPr>
+          <a:lstStyle/>
+          <a:p>
+            <a:r>
+              <a:rPr lang="en-US" u="sng" dirty="0"/>
+              <a:t>Test structure</a:t>
+            </a:r>
+          </a:p>
+        </p:txBody>
+      </p:sp>
+      <p:sp>
+        <p:nvSpPr>
+          <p:cNvPr id="5" name="TextBox 4">
+            <a:extLst>
+              <a:ext uri="{FF2B5EF4-FFF2-40B4-BE49-F238E27FC236}">
+                <a16:creationId xmlns:a16="http://schemas.microsoft.com/office/drawing/2014/main" id="{72815248-2266-4754-FBD2-DB72378C58DA}"/>
+              </a:ext>
+            </a:extLst>
+          </p:cNvPr>
+          <p:cNvSpPr txBox="1"/>
+          <p:nvPr/>
+        </p:nvSpPr>
+        <p:spPr>
+          <a:xfrm>
+            <a:off x="1105786" y="878958"/>
+            <a:ext cx="7707559" cy="646331"/>
+          </a:xfrm>
+          <a:prstGeom prst="rect">
+            <a:avLst/>
+          </a:prstGeom>
+          <a:noFill/>
+        </p:spPr>
+        <p:txBody>
+          <a:bodyPr wrap="none" rtlCol="0">
+            <a:spAutoFit/>
+          </a:bodyPr>
+          <a:lstStyle/>
+          <a:p>
+            <a:r>
+              <a:rPr lang="en-US" dirty="0"/>
+              <a:t>-For testing the efficiency of the embeddings trained on the corpus generated</a:t>
+            </a:r>
+          </a:p>
+          <a:p>
+            <a:r>
+              <a:rPr lang="en-US" dirty="0"/>
+              <a:t>via </a:t>
+            </a:r>
+            <a:r>
+              <a:rPr lang="en-US" dirty="0" err="1"/>
+              <a:t>Walklets</a:t>
+            </a:r>
+            <a:r>
+              <a:rPr lang="en-US" dirty="0"/>
+              <a:t>:</a:t>
+            </a:r>
+          </a:p>
+        </p:txBody>
+      </p:sp>
+      <p:sp>
+        <p:nvSpPr>
+          <p:cNvPr id="6" name="TextBox 5">
+            <a:extLst>
+              <a:ext uri="{FF2B5EF4-FFF2-40B4-BE49-F238E27FC236}">
+                <a16:creationId xmlns:a16="http://schemas.microsoft.com/office/drawing/2014/main" id="{CF60EE0D-DD44-901D-16ED-6FEE0F674A87}"/>
+              </a:ext>
+            </a:extLst>
+          </p:cNvPr>
+          <p:cNvSpPr txBox="1"/>
+          <p:nvPr/>
+        </p:nvSpPr>
+        <p:spPr>
+          <a:xfrm>
+            <a:off x="1538176" y="1609613"/>
+            <a:ext cx="7190238" cy="646331"/>
+          </a:xfrm>
+          <a:prstGeom prst="rect">
+            <a:avLst/>
+          </a:prstGeom>
+          <a:noFill/>
+        </p:spPr>
+        <p:txBody>
+          <a:bodyPr wrap="none" rtlCol="0">
+            <a:spAutoFit/>
+          </a:bodyPr>
+          <a:lstStyle/>
+          <a:p>
+            <a:pPr marL="285750" indent="-285750">
+              <a:buFont typeface="Arial" panose="020B0604020202020204" pitchFamily="34" charset="0"/>
+              <a:buChar char="•"/>
+            </a:pPr>
+            <a:r>
+              <a:rPr lang="en-US" dirty="0"/>
+              <a:t>Analyze embeddings of </a:t>
+            </a:r>
+            <a:r>
+              <a:rPr lang="en-US" dirty="0" err="1"/>
+              <a:t>RandomWalks</a:t>
+            </a:r>
+            <a:r>
+              <a:rPr lang="en-US" dirty="0"/>
+              <a:t> and </a:t>
+            </a:r>
+            <a:r>
+              <a:rPr lang="en-US" dirty="0" err="1"/>
+              <a:t>Walklets</a:t>
+            </a:r>
+            <a:r>
+              <a:rPr lang="en-US" dirty="0"/>
+              <a:t> on different scales</a:t>
+            </a:r>
+          </a:p>
+          <a:p>
+            <a:r>
+              <a:rPr lang="en-US" dirty="0"/>
+              <a:t>      made on datasets, through 2 types of tests</a:t>
+            </a:r>
+          </a:p>
+        </p:txBody>
+      </p:sp>
+      <p:sp>
+        <p:nvSpPr>
+          <p:cNvPr id="7" name="TextBox 6">
+            <a:extLst>
+              <a:ext uri="{FF2B5EF4-FFF2-40B4-BE49-F238E27FC236}">
+                <a16:creationId xmlns:a16="http://schemas.microsoft.com/office/drawing/2014/main" id="{20371CEA-308E-80FC-38FD-5EFBBFC85ED1}"/>
+              </a:ext>
+            </a:extLst>
+          </p:cNvPr>
+          <p:cNvSpPr txBox="1"/>
+          <p:nvPr/>
+        </p:nvSpPr>
+        <p:spPr>
+          <a:xfrm>
+            <a:off x="2459666" y="2340268"/>
+            <a:ext cx="5697394" cy="646331"/>
+          </a:xfrm>
+          <a:prstGeom prst="rect">
+            <a:avLst/>
+          </a:prstGeom>
+          <a:noFill/>
+        </p:spPr>
+        <p:txBody>
+          <a:bodyPr wrap="none" rtlCol="0">
+            <a:spAutoFit/>
+          </a:bodyPr>
+          <a:lstStyle/>
+          <a:p>
+            <a:pPr marL="342900" indent="-342900">
+              <a:buFont typeface="+mj-lt"/>
+              <a:buAutoNum type="arabicPeriod"/>
+            </a:pPr>
+            <a:r>
+              <a:rPr lang="en-US" dirty="0"/>
+              <a:t>Community Learning Capability</a:t>
+            </a:r>
+          </a:p>
+          <a:p>
+            <a:r>
+              <a:rPr lang="en-US" dirty="0"/>
+              <a:t>			</a:t>
+            </a:r>
+            <a:r>
+              <a:rPr lang="en-US" dirty="0">
+                <a:sym typeface="Wingdings" panose="05000000000000000000" pitchFamily="2" charset="2"/>
+              </a:rPr>
+              <a:t>TSNE reduction/similarity based coloring</a:t>
+            </a:r>
+            <a:endParaRPr lang="en-US" dirty="0"/>
+          </a:p>
+        </p:txBody>
+      </p:sp>
+      <p:sp>
+        <p:nvSpPr>
+          <p:cNvPr id="8" name="TextBox 7">
+            <a:extLst>
+              <a:ext uri="{FF2B5EF4-FFF2-40B4-BE49-F238E27FC236}">
+                <a16:creationId xmlns:a16="http://schemas.microsoft.com/office/drawing/2014/main" id="{B3F4913B-8E8A-79E2-56C4-598AE610E250}"/>
+              </a:ext>
+            </a:extLst>
+          </p:cNvPr>
+          <p:cNvSpPr txBox="1"/>
+          <p:nvPr/>
+        </p:nvSpPr>
+        <p:spPr>
+          <a:xfrm>
+            <a:off x="2459666" y="3070923"/>
+            <a:ext cx="6352829" cy="923330"/>
+          </a:xfrm>
+          <a:prstGeom prst="rect">
+            <a:avLst/>
+          </a:prstGeom>
+          <a:noFill/>
+        </p:spPr>
+        <p:txBody>
+          <a:bodyPr wrap="none" rtlCol="0">
+            <a:spAutoFit/>
+          </a:bodyPr>
+          <a:lstStyle/>
+          <a:p>
+            <a:r>
+              <a:rPr lang="en-US" dirty="0"/>
+              <a:t>2.    Label Association Capability</a:t>
+            </a:r>
+          </a:p>
+          <a:p>
+            <a:r>
+              <a:rPr lang="en-US" dirty="0"/>
+              <a:t>			</a:t>
+            </a:r>
+            <a:r>
+              <a:rPr lang="en-US" dirty="0">
+                <a:sym typeface="Wingdings" panose="05000000000000000000" pitchFamily="2" charset="2"/>
+              </a:rPr>
+              <a:t>use an classifier on the embeddings, </a:t>
+            </a:r>
+          </a:p>
+          <a:p>
+            <a:r>
+              <a:rPr lang="en-US" dirty="0">
+                <a:sym typeface="Wingdings" panose="05000000000000000000" pitchFamily="2" charset="2"/>
+              </a:rPr>
+              <a:t>			     to print the micro-F1 accuracy and avg. train loss</a:t>
+            </a:r>
+            <a:endParaRPr lang="en-US" dirty="0"/>
+          </a:p>
+        </p:txBody>
+      </p:sp>
+    </p:spTree>
+    <p:extLst>
+      <p:ext uri="{BB962C8B-B14F-4D97-AF65-F5344CB8AC3E}">
+        <p14:creationId xmlns:p14="http://schemas.microsoft.com/office/powerpoint/2010/main" val="3658199752"/>
+      </p:ext>
+    </p:extLst>
+  </p:cSld>
+  <p:clrMapOvr>
+    <a:masterClrMapping/>
+  </p:clrMapOvr>
+</p:sld>
+</file>
+
+<file path=ppt/slides/slide17.xml><?xml version="1.0" encoding="utf-8"?>
+<p:sld xmlns:a="http://schemas.openxmlformats.org/drawingml/2006/main" xmlns:r="http://schemas.openxmlformats.org/officeDocument/2006/relationships" xmlns:p="http://schemas.openxmlformats.org/presentationml/2006/main">
+  <p:cSld>
+    <p:spTree>
+      <p:nvGrpSpPr>
+        <p:cNvPr id="1" name=""/>
+        <p:cNvGrpSpPr/>
+        <p:nvPr/>
+      </p:nvGrpSpPr>
+      <p:grpSpPr>
+        <a:xfrm>
+          <a:off x="0" y="0"/>
+          <a:ext cx="0" cy="0"/>
+          <a:chOff x="0" y="0"/>
+          <a:chExt cx="0" cy="0"/>
+        </a:xfrm>
+      </p:grpSpPr>
+      <p:sp>
+        <p:nvSpPr>
+          <p:cNvPr id="4" name="TextBox 3">
+            <a:extLst>
+              <a:ext uri="{FF2B5EF4-FFF2-40B4-BE49-F238E27FC236}">
+                <a16:creationId xmlns:a16="http://schemas.microsoft.com/office/drawing/2014/main" id="{3AC545A0-18F0-3EA4-EF0A-E8964BDA89CD}"/>
+              </a:ext>
+            </a:extLst>
+          </p:cNvPr>
+          <p:cNvSpPr txBox="1"/>
+          <p:nvPr/>
+        </p:nvSpPr>
+        <p:spPr>
+          <a:xfrm>
+            <a:off x="1282995" y="113414"/>
+            <a:ext cx="1404552" cy="523220"/>
+          </a:xfrm>
+          <a:prstGeom prst="rect">
+            <a:avLst/>
+          </a:prstGeom>
+          <a:noFill/>
+        </p:spPr>
+        <p:txBody>
+          <a:bodyPr wrap="none" rtlCol="0">
+            <a:spAutoFit/>
+          </a:bodyPr>
+          <a:lstStyle/>
+          <a:p>
+            <a:r>
+              <a:rPr lang="en-US" sz="2800" b="1" dirty="0"/>
+              <a:t>1.CORA</a:t>
+            </a:r>
+          </a:p>
+        </p:txBody>
+      </p:sp>
+      <p:sp>
+        <p:nvSpPr>
+          <p:cNvPr id="5" name="TextBox 4">
+            <a:extLst>
+              <a:ext uri="{FF2B5EF4-FFF2-40B4-BE49-F238E27FC236}">
+                <a16:creationId xmlns:a16="http://schemas.microsoft.com/office/drawing/2014/main" id="{5F8B0025-D1ED-BF97-6E6A-B361AC1CAE14}"/>
+              </a:ext>
+            </a:extLst>
+          </p:cNvPr>
+          <p:cNvSpPr txBox="1"/>
+          <p:nvPr/>
+        </p:nvSpPr>
+        <p:spPr>
+          <a:xfrm>
+            <a:off x="1743740" y="636634"/>
+            <a:ext cx="7659469" cy="646331"/>
+          </a:xfrm>
+          <a:prstGeom prst="rect">
+            <a:avLst/>
+          </a:prstGeom>
+          <a:noFill/>
+        </p:spPr>
+        <p:txBody>
+          <a:bodyPr wrap="none" rtlCol="0">
+            <a:spAutoFit/>
+          </a:bodyPr>
+          <a:lstStyle/>
+          <a:p>
+            <a:r>
+              <a:rPr lang="en-US" dirty="0"/>
+              <a:t>-nodes	</a:t>
+            </a:r>
+            <a:r>
+              <a:rPr lang="en-US" dirty="0">
+                <a:sym typeface="Wingdings" panose="05000000000000000000" pitchFamily="2" charset="2"/>
+              </a:rPr>
+              <a:t>	research papers					-label		r. domain</a:t>
+            </a:r>
+          </a:p>
+          <a:p>
+            <a:r>
+              <a:rPr lang="en-US" dirty="0">
+                <a:sym typeface="Wingdings" panose="05000000000000000000" pitchFamily="2" charset="2"/>
+              </a:rPr>
+              <a:t>-edge		citation(bidirectional) between 2 papers</a:t>
+            </a:r>
+            <a:endParaRPr lang="en-US" dirty="0"/>
+          </a:p>
+        </p:txBody>
+      </p:sp>
+      <p:pic>
+        <p:nvPicPr>
+          <p:cNvPr id="7" name="Picture 6">
+            <a:extLst>
+              <a:ext uri="{FF2B5EF4-FFF2-40B4-BE49-F238E27FC236}">
+                <a16:creationId xmlns:a16="http://schemas.microsoft.com/office/drawing/2014/main" id="{A632DDC3-A564-02CC-317C-FBF9020D6BF2}"/>
+              </a:ext>
+            </a:extLst>
+          </p:cNvPr>
+          <p:cNvPicPr>
+            <a:picLocks noChangeAspect="1"/>
+          </p:cNvPicPr>
+          <p:nvPr/>
+        </p:nvPicPr>
+        <p:blipFill>
+          <a:blip r:embed="rId2">
+            <a:extLst>
+              <a:ext uri="{28A0092B-C50C-407E-A947-70E740481C1C}">
+                <a14:useLocalDpi xmlns:a14="http://schemas.microsoft.com/office/drawing/2010/main" val="0"/>
+              </a:ext>
+            </a:extLst>
+          </a:blip>
+          <a:stretch>
+            <a:fillRect/>
+          </a:stretch>
+        </p:blipFill>
+        <p:spPr>
+          <a:xfrm>
+            <a:off x="0" y="1282966"/>
+            <a:ext cx="3012558" cy="3860534"/>
+          </a:xfrm>
+          <a:prstGeom prst="rect">
+            <a:avLst/>
+          </a:prstGeom>
+        </p:spPr>
+      </p:pic>
+      <p:pic>
+        <p:nvPicPr>
+          <p:cNvPr id="9" name="Picture 8">
+            <a:extLst>
+              <a:ext uri="{FF2B5EF4-FFF2-40B4-BE49-F238E27FC236}">
+                <a16:creationId xmlns:a16="http://schemas.microsoft.com/office/drawing/2014/main" id="{3014F0EC-89BE-E68D-27F1-015039964F7A}"/>
+              </a:ext>
+            </a:extLst>
+          </p:cNvPr>
+          <p:cNvPicPr>
+            <a:picLocks noChangeAspect="1"/>
+          </p:cNvPicPr>
+          <p:nvPr/>
+        </p:nvPicPr>
+        <p:blipFill>
+          <a:blip r:embed="rId3">
+            <a:extLst>
+              <a:ext uri="{28A0092B-C50C-407E-A947-70E740481C1C}">
+                <a14:useLocalDpi xmlns:a14="http://schemas.microsoft.com/office/drawing/2010/main" val="0"/>
+              </a:ext>
+            </a:extLst>
+          </a:blip>
+          <a:stretch>
+            <a:fillRect/>
+          </a:stretch>
+        </p:blipFill>
+        <p:spPr>
+          <a:xfrm>
+            <a:off x="3118887" y="1282966"/>
+            <a:ext cx="3012557" cy="3860534"/>
+          </a:xfrm>
+          <a:prstGeom prst="rect">
+            <a:avLst/>
+          </a:prstGeom>
+        </p:spPr>
+      </p:pic>
+      <p:pic>
+        <p:nvPicPr>
+          <p:cNvPr id="11" name="Picture 10">
+            <a:extLst>
+              <a:ext uri="{FF2B5EF4-FFF2-40B4-BE49-F238E27FC236}">
+                <a16:creationId xmlns:a16="http://schemas.microsoft.com/office/drawing/2014/main" id="{E0FD9E53-BA59-3517-8253-AA8D4640DF86}"/>
+              </a:ext>
+            </a:extLst>
+          </p:cNvPr>
+          <p:cNvPicPr>
+            <a:picLocks noChangeAspect="1"/>
+          </p:cNvPicPr>
+          <p:nvPr/>
+        </p:nvPicPr>
+        <p:blipFill>
+          <a:blip r:embed="rId4">
+            <a:extLst>
+              <a:ext uri="{28A0092B-C50C-407E-A947-70E740481C1C}">
+                <a14:useLocalDpi xmlns:a14="http://schemas.microsoft.com/office/drawing/2010/main" val="0"/>
+              </a:ext>
+            </a:extLst>
+          </a:blip>
+          <a:stretch>
+            <a:fillRect/>
+          </a:stretch>
+        </p:blipFill>
+        <p:spPr>
+          <a:xfrm>
+            <a:off x="6235203" y="1282965"/>
+            <a:ext cx="2941677" cy="3860534"/>
+          </a:xfrm>
+          <a:prstGeom prst="rect">
+            <a:avLst/>
+          </a:prstGeom>
+        </p:spPr>
+      </p:pic>
+      <p:sp>
+        <p:nvSpPr>
+          <p:cNvPr id="12" name="TextBox 11">
+            <a:extLst>
+              <a:ext uri="{FF2B5EF4-FFF2-40B4-BE49-F238E27FC236}">
+                <a16:creationId xmlns:a16="http://schemas.microsoft.com/office/drawing/2014/main" id="{49A34E85-D873-AE98-8A3E-056014A12C33}"/>
+              </a:ext>
+            </a:extLst>
+          </p:cNvPr>
+          <p:cNvSpPr txBox="1"/>
+          <p:nvPr/>
+        </p:nvSpPr>
+        <p:spPr>
+          <a:xfrm>
+            <a:off x="-63058" y="4866500"/>
+            <a:ext cx="1047082" cy="276999"/>
+          </a:xfrm>
+          <a:prstGeom prst="rect">
+            <a:avLst/>
+          </a:prstGeom>
+          <a:noFill/>
+        </p:spPr>
+        <p:txBody>
+          <a:bodyPr wrap="none" rtlCol="0">
+            <a:spAutoFit/>
+          </a:bodyPr>
+          <a:lstStyle/>
+          <a:p>
+            <a:r>
+              <a:rPr lang="en-US" sz="1200" i="1" dirty="0" err="1"/>
+              <a:t>RandomWalk</a:t>
+            </a:r>
+            <a:endParaRPr lang="en-US" sz="1200" i="1" dirty="0"/>
+          </a:p>
+        </p:txBody>
+      </p:sp>
+      <p:sp>
+        <p:nvSpPr>
+          <p:cNvPr id="13" name="TextBox 12">
+            <a:extLst>
+              <a:ext uri="{FF2B5EF4-FFF2-40B4-BE49-F238E27FC236}">
+                <a16:creationId xmlns:a16="http://schemas.microsoft.com/office/drawing/2014/main" id="{5B459F7B-92AD-1F67-EA11-9306C51433B5}"/>
+              </a:ext>
+            </a:extLst>
+          </p:cNvPr>
+          <p:cNvSpPr txBox="1"/>
+          <p:nvPr/>
+        </p:nvSpPr>
+        <p:spPr>
+          <a:xfrm>
+            <a:off x="3116317" y="4866501"/>
+            <a:ext cx="975973" cy="276999"/>
+          </a:xfrm>
+          <a:prstGeom prst="rect">
+            <a:avLst/>
+          </a:prstGeom>
+          <a:noFill/>
+        </p:spPr>
+        <p:txBody>
+          <a:bodyPr wrap="none" rtlCol="0">
+            <a:spAutoFit/>
+          </a:bodyPr>
+          <a:lstStyle/>
+          <a:p>
+            <a:r>
+              <a:rPr lang="en-US" sz="1200" i="1" dirty="0" err="1"/>
+              <a:t>Walklets</a:t>
+            </a:r>
+            <a:r>
+              <a:rPr lang="en-US" sz="1200" i="1" dirty="0"/>
+              <a:t> k=2</a:t>
+            </a:r>
+          </a:p>
+        </p:txBody>
+      </p:sp>
+      <p:sp>
+        <p:nvSpPr>
+          <p:cNvPr id="14" name="TextBox 13">
+            <a:extLst>
+              <a:ext uri="{FF2B5EF4-FFF2-40B4-BE49-F238E27FC236}">
+                <a16:creationId xmlns:a16="http://schemas.microsoft.com/office/drawing/2014/main" id="{AD1948BA-38C2-AC60-5375-1F306E6FEA37}"/>
+              </a:ext>
+            </a:extLst>
+          </p:cNvPr>
+          <p:cNvSpPr txBox="1"/>
+          <p:nvPr/>
+        </p:nvSpPr>
+        <p:spPr>
+          <a:xfrm>
+            <a:off x="6235203" y="4866499"/>
+            <a:ext cx="975973" cy="276999"/>
+          </a:xfrm>
+          <a:prstGeom prst="rect">
+            <a:avLst/>
+          </a:prstGeom>
+          <a:noFill/>
+        </p:spPr>
+        <p:txBody>
+          <a:bodyPr wrap="none" rtlCol="0">
+            <a:spAutoFit/>
+          </a:bodyPr>
+          <a:lstStyle/>
+          <a:p>
+            <a:r>
+              <a:rPr lang="en-US" sz="1200" i="1" dirty="0" err="1"/>
+              <a:t>Walklets</a:t>
+            </a:r>
+            <a:r>
+              <a:rPr lang="en-US" sz="1200" i="1" dirty="0"/>
+              <a:t> k=4</a:t>
+            </a:r>
+          </a:p>
+        </p:txBody>
+      </p:sp>
+    </p:spTree>
+    <p:extLst>
+      <p:ext uri="{BB962C8B-B14F-4D97-AF65-F5344CB8AC3E}">
+        <p14:creationId xmlns:p14="http://schemas.microsoft.com/office/powerpoint/2010/main" val="4031463446"/>
+      </p:ext>
+    </p:extLst>
+  </p:cSld>
+  <p:clrMapOvr>
+    <a:masterClrMapping/>
+  </p:clrMapOvr>
+</p:sld>
+</file>
+
+<file path=ppt/slides/slide18.xml><?xml version="1.0" encoding="utf-8"?>
+<p:sld xmlns:a="http://schemas.openxmlformats.org/drawingml/2006/main" xmlns:r="http://schemas.openxmlformats.org/officeDocument/2006/relationships" xmlns:p="http://schemas.openxmlformats.org/presentationml/2006/main">
+  <p:cSld>
+    <p:spTree>
+      <p:nvGrpSpPr>
+        <p:cNvPr id="1" name=""/>
+        <p:cNvGrpSpPr/>
+        <p:nvPr/>
+      </p:nvGrpSpPr>
+      <p:grpSpPr>
+        <a:xfrm>
+          <a:off x="0" y="0"/>
+          <a:ext cx="0" cy="0"/>
+          <a:chOff x="0" y="0"/>
+          <a:chExt cx="0" cy="0"/>
+        </a:xfrm>
+      </p:grpSpPr>
+      <p:pic>
+        <p:nvPicPr>
+          <p:cNvPr id="5" name="Picture 4">
+            <a:extLst>
+              <a:ext uri="{FF2B5EF4-FFF2-40B4-BE49-F238E27FC236}">
+                <a16:creationId xmlns:a16="http://schemas.microsoft.com/office/drawing/2014/main" id="{5152649E-8B8F-F46A-C494-70A261165F97}"/>
+              </a:ext>
+            </a:extLst>
+          </p:cNvPr>
+          <p:cNvPicPr>
+            <a:picLocks noChangeAspect="1"/>
+          </p:cNvPicPr>
+          <p:nvPr/>
+        </p:nvPicPr>
+        <p:blipFill>
+          <a:blip r:embed="rId2">
+            <a:extLst>
+              <a:ext uri="{28A0092B-C50C-407E-A947-70E740481C1C}">
+                <a14:useLocalDpi xmlns:a14="http://schemas.microsoft.com/office/drawing/2010/main" val="0"/>
+              </a:ext>
+            </a:extLst>
+          </a:blip>
+          <a:stretch>
+            <a:fillRect/>
+          </a:stretch>
+        </p:blipFill>
+        <p:spPr>
+          <a:xfrm>
+            <a:off x="2502381" y="233457"/>
+            <a:ext cx="4139238" cy="4279178"/>
+          </a:xfrm>
+          <a:prstGeom prst="rect">
+            <a:avLst/>
+          </a:prstGeom>
+        </p:spPr>
+      </p:pic>
+      <p:sp>
+        <p:nvSpPr>
+          <p:cNvPr id="7" name="TextBox 6">
+            <a:extLst>
+              <a:ext uri="{FF2B5EF4-FFF2-40B4-BE49-F238E27FC236}">
+                <a16:creationId xmlns:a16="http://schemas.microsoft.com/office/drawing/2014/main" id="{8BBBFA0F-5BB8-3DF6-1BC0-C0674EA8D045}"/>
+              </a:ext>
+            </a:extLst>
+          </p:cNvPr>
+          <p:cNvSpPr txBox="1"/>
+          <p:nvPr/>
+        </p:nvSpPr>
+        <p:spPr>
+          <a:xfrm>
+            <a:off x="2502381" y="4235636"/>
+            <a:ext cx="975973" cy="276999"/>
+          </a:xfrm>
+          <a:prstGeom prst="rect">
+            <a:avLst/>
+          </a:prstGeom>
+          <a:noFill/>
+        </p:spPr>
+        <p:txBody>
+          <a:bodyPr wrap="none" rtlCol="0">
+            <a:spAutoFit/>
+          </a:bodyPr>
+          <a:lstStyle/>
+          <a:p>
+            <a:r>
+              <a:rPr lang="en-US" sz="1200" i="1" dirty="0" err="1"/>
+              <a:t>Walklets</a:t>
+            </a:r>
+            <a:r>
+              <a:rPr lang="en-US" sz="1200" i="1" dirty="0"/>
+              <a:t> k=8</a:t>
+            </a:r>
+          </a:p>
+        </p:txBody>
+      </p:sp>
+    </p:spTree>
+    <p:extLst>
+      <p:ext uri="{BB962C8B-B14F-4D97-AF65-F5344CB8AC3E}">
+        <p14:creationId xmlns:p14="http://schemas.microsoft.com/office/powerpoint/2010/main" val="873781685"/>
+      </p:ext>
+    </p:extLst>
+  </p:cSld>
+  <p:clrMapOvr>
+    <a:masterClrMapping/>
+  </p:clrMapOvr>
+</p:sld>
+</file>
+
+<file path=ppt/slides/slide19.xml><?xml version="1.0" encoding="utf-8"?>
+<p:sld xmlns:a="http://schemas.openxmlformats.org/drawingml/2006/main" xmlns:r="http://schemas.openxmlformats.org/officeDocument/2006/relationships" xmlns:p="http://schemas.openxmlformats.org/presentationml/2006/main">
+  <p:cSld>
+    <p:spTree>
+      <p:nvGrpSpPr>
+        <p:cNvPr id="1" name=""/>
+        <p:cNvGrpSpPr/>
+        <p:nvPr/>
+      </p:nvGrpSpPr>
+      <p:grpSpPr>
+        <a:xfrm>
+          <a:off x="0" y="0"/>
+          <a:ext cx="0" cy="0"/>
+          <a:chOff x="0" y="0"/>
+          <a:chExt cx="0" cy="0"/>
+        </a:xfrm>
+      </p:grpSpPr>
+      <p:graphicFrame>
+        <p:nvGraphicFramePr>
+          <p:cNvPr id="7" name="Object 6">
+            <a:extLst>
+              <a:ext uri="{FF2B5EF4-FFF2-40B4-BE49-F238E27FC236}">
+                <a16:creationId xmlns:a16="http://schemas.microsoft.com/office/drawing/2014/main" id="{F6C54DDE-B90D-0BB3-BD2E-5A458073146A}"/>
+              </a:ext>
+            </a:extLst>
+          </p:cNvPr>
+          <p:cNvGraphicFramePr>
+            <a:graphicFrameLocks noChangeAspect="1"/>
+          </p:cNvGraphicFramePr>
+          <p:nvPr>
+            <p:extLst>
+              <p:ext uri="{D42A27DB-BD31-4B8C-83A1-F6EECF244321}">
+                <p14:modId xmlns:p14="http://schemas.microsoft.com/office/powerpoint/2010/main" val="1855016687"/>
+              </p:ext>
+            </p:extLst>
+          </p:nvPr>
+        </p:nvGraphicFramePr>
+        <p:xfrm>
+          <a:off x="887413" y="2217738"/>
+          <a:ext cx="8255000" cy="1106487"/>
+        </p:xfrm>
+        <a:graphic>
+          <a:graphicData uri="http://schemas.openxmlformats.org/presentationml/2006/ole">
+            <mc:AlternateContent xmlns:mc="http://schemas.openxmlformats.org/markup-compatibility/2006">
+              <mc:Choice xmlns:v="urn:schemas-microsoft-com:vml" Requires="v">
+                <p:oleObj name="Worksheet" r:id="rId2" imgW="6873311" imgH="921886" progId="Excel.Sheet.12">
+                  <p:embed/>
+                </p:oleObj>
+              </mc:Choice>
+              <mc:Fallback>
+                <p:oleObj name="Worksheet" r:id="rId2" imgW="6873311" imgH="921886" progId="Excel.Sheet.12">
+                  <p:embed/>
+                  <p:pic>
+                    <p:nvPicPr>
+                      <p:cNvPr id="0" name=""/>
+                      <p:cNvPicPr/>
+                      <p:nvPr/>
+                    </p:nvPicPr>
+                    <p:blipFill>
+                      <a:blip r:embed="rId3"/>
+                      <a:stretch>
+                        <a:fillRect/>
+                      </a:stretch>
+                    </p:blipFill>
+                    <p:spPr>
+                      <a:xfrm>
+                        <a:off x="887413" y="2217738"/>
+                        <a:ext cx="8255000" cy="1106487"/>
+                      </a:xfrm>
+                      <a:prstGeom prst="rect">
+                        <a:avLst/>
+                      </a:prstGeom>
+                    </p:spPr>
+                  </p:pic>
+                </p:oleObj>
+              </mc:Fallback>
+            </mc:AlternateContent>
+          </a:graphicData>
+        </a:graphic>
+      </p:graphicFrame>
+      <p:sp>
+        <p:nvSpPr>
+          <p:cNvPr id="8" name="TextBox 7">
+            <a:extLst>
+              <a:ext uri="{FF2B5EF4-FFF2-40B4-BE49-F238E27FC236}">
+                <a16:creationId xmlns:a16="http://schemas.microsoft.com/office/drawing/2014/main" id="{FB5E6AE7-0C6E-E62F-6756-20A3C206124C}"/>
+              </a:ext>
+            </a:extLst>
+          </p:cNvPr>
+          <p:cNvSpPr txBox="1"/>
+          <p:nvPr/>
+        </p:nvSpPr>
+        <p:spPr>
+          <a:xfrm>
+            <a:off x="2942051" y="4713768"/>
+            <a:ext cx="4148059" cy="338554"/>
+          </a:xfrm>
+          <a:prstGeom prst="rect">
+            <a:avLst/>
+          </a:prstGeom>
+          <a:noFill/>
+        </p:spPr>
+        <p:txBody>
+          <a:bodyPr wrap="none" rtlCol="0">
+            <a:spAutoFit/>
+          </a:bodyPr>
+          <a:lstStyle/>
+          <a:p>
+            <a:r>
+              <a:rPr lang="en-US" sz="1600" i="1" dirty="0">
+                <a:solidFill>
+                  <a:srgbClr val="FF0000"/>
+                </a:solidFill>
+              </a:rPr>
+              <a:t>*Homophily causes the difference between uF1’s</a:t>
+            </a:r>
+          </a:p>
+        </p:txBody>
+      </p:sp>
+    </p:spTree>
+    <p:extLst>
+      <p:ext uri="{BB962C8B-B14F-4D97-AF65-F5344CB8AC3E}">
+        <p14:creationId xmlns:p14="http://schemas.microsoft.com/office/powerpoint/2010/main" val="762699104"/>
+      </p:ext>
+    </p:extLst>
+  </p:cSld>
+  <p:clrMapOvr>
+    <a:masterClrMapping/>
+  </p:clrMapOvr>
+</p:sld>
+</file>
+
 <file path=ppt/slides/slide2.xml><?xml version="1.0" encoding="utf-8"?>
 <p:sld xmlns:a="http://schemas.openxmlformats.org/drawingml/2006/main" xmlns:r="http://schemas.openxmlformats.org/officeDocument/2006/relationships" xmlns:p="http://schemas.openxmlformats.org/presentationml/2006/main">
   <p:cSld>
@@ -6837,7 +8927,7 @@
                 <a:latin typeface="+mn-lt"/>
                 <a:cs typeface="Arial" panose="020B0604020202020204" pitchFamily="34" charset="0"/>
               </a:rPr>
-              <a:t>DeepWalk</a:t>
+              <a:t>RandomWalks</a:t>
             </a:r>
             <a:r>
               <a:rPr lang="en-US" sz="2000" dirty="0">
@@ -7336,6 +9426,618 @@
     <p:extLst>
       <p:ext uri="{BB962C8B-B14F-4D97-AF65-F5344CB8AC3E}">
         <p14:creationId xmlns:p14="http://schemas.microsoft.com/office/powerpoint/2010/main" val="2007289578"/>
+      </p:ext>
+    </p:extLst>
+  </p:cSld>
+  <p:clrMapOvr>
+    <a:masterClrMapping/>
+  </p:clrMapOvr>
+</p:sld>
+</file>
+
+<file path=ppt/slides/slide20.xml><?xml version="1.0" encoding="utf-8"?>
+<p:sld xmlns:a="http://schemas.openxmlformats.org/drawingml/2006/main" xmlns:r="http://schemas.openxmlformats.org/officeDocument/2006/relationships" xmlns:p="http://schemas.openxmlformats.org/presentationml/2006/main">
+  <p:cSld>
+    <p:spTree>
+      <p:nvGrpSpPr>
+        <p:cNvPr id="1" name="">
+          <a:extLst>
+            <a:ext uri="{FF2B5EF4-FFF2-40B4-BE49-F238E27FC236}">
+              <a16:creationId xmlns:a16="http://schemas.microsoft.com/office/drawing/2014/main" id="{08DEAE7D-7465-FD1E-EA80-C472998F2162}"/>
+            </a:ext>
+          </a:extLst>
+        </p:cNvPr>
+        <p:cNvGrpSpPr/>
+        <p:nvPr/>
+      </p:nvGrpSpPr>
+      <p:grpSpPr>
+        <a:xfrm>
+          <a:off x="0" y="0"/>
+          <a:ext cx="0" cy="0"/>
+          <a:chOff x="0" y="0"/>
+          <a:chExt cx="0" cy="0"/>
+        </a:xfrm>
+      </p:grpSpPr>
+      <p:sp>
+        <p:nvSpPr>
+          <p:cNvPr id="4" name="TextBox 3">
+            <a:extLst>
+              <a:ext uri="{FF2B5EF4-FFF2-40B4-BE49-F238E27FC236}">
+                <a16:creationId xmlns:a16="http://schemas.microsoft.com/office/drawing/2014/main" id="{387BF113-DAEE-5E13-B4AA-4A1667DC7B5B}"/>
+              </a:ext>
+            </a:extLst>
+          </p:cNvPr>
+          <p:cNvSpPr txBox="1"/>
+          <p:nvPr/>
+        </p:nvSpPr>
+        <p:spPr>
+          <a:xfrm>
+            <a:off x="1282995" y="113414"/>
+            <a:ext cx="2209259" cy="523220"/>
+          </a:xfrm>
+          <a:prstGeom prst="rect">
+            <a:avLst/>
+          </a:prstGeom>
+          <a:noFill/>
+        </p:spPr>
+        <p:txBody>
+          <a:bodyPr wrap="none" rtlCol="0">
+            <a:spAutoFit/>
+          </a:bodyPr>
+          <a:lstStyle/>
+          <a:p>
+            <a:r>
+              <a:rPr lang="en-US" sz="2800" b="1" dirty="0"/>
+              <a:t>2.KarateClub</a:t>
+            </a:r>
+          </a:p>
+        </p:txBody>
+      </p:sp>
+      <p:sp>
+        <p:nvSpPr>
+          <p:cNvPr id="5" name="TextBox 4">
+            <a:extLst>
+              <a:ext uri="{FF2B5EF4-FFF2-40B4-BE49-F238E27FC236}">
+                <a16:creationId xmlns:a16="http://schemas.microsoft.com/office/drawing/2014/main" id="{BEC5E9BF-8D65-B5FD-16AA-E89D89606E23}"/>
+              </a:ext>
+            </a:extLst>
+          </p:cNvPr>
+          <p:cNvSpPr txBox="1"/>
+          <p:nvPr/>
+        </p:nvSpPr>
+        <p:spPr>
+          <a:xfrm>
+            <a:off x="1743740" y="636634"/>
+            <a:ext cx="7109639" cy="646331"/>
+          </a:xfrm>
+          <a:prstGeom prst="rect">
+            <a:avLst/>
+          </a:prstGeom>
+          <a:noFill/>
+        </p:spPr>
+        <p:txBody>
+          <a:bodyPr wrap="none" rtlCol="0">
+            <a:spAutoFit/>
+          </a:bodyPr>
+          <a:lstStyle/>
+          <a:p>
+            <a:r>
+              <a:rPr lang="en-US" dirty="0"/>
+              <a:t>-nodes	</a:t>
+            </a:r>
+            <a:r>
+              <a:rPr lang="en-US" dirty="0">
+                <a:sym typeface="Wingdings" panose="05000000000000000000" pitchFamily="2" charset="2"/>
+              </a:rPr>
+              <a:t>	members of an Karate club		-labels		faction	</a:t>
+            </a:r>
+          </a:p>
+          <a:p>
+            <a:r>
+              <a:rPr lang="en-US" dirty="0">
+                <a:sym typeface="Wingdings" panose="05000000000000000000" pitchFamily="2" charset="2"/>
+              </a:rPr>
+              <a:t>-edge		two members have socials interactions</a:t>
+            </a:r>
+            <a:endParaRPr lang="en-US" dirty="0"/>
+          </a:p>
+        </p:txBody>
+      </p:sp>
+    </p:spTree>
+    <p:extLst>
+      <p:ext uri="{BB962C8B-B14F-4D97-AF65-F5344CB8AC3E}">
+        <p14:creationId xmlns:p14="http://schemas.microsoft.com/office/powerpoint/2010/main" val="2041056146"/>
+      </p:ext>
+    </p:extLst>
+  </p:cSld>
+  <p:clrMapOvr>
+    <a:masterClrMapping/>
+  </p:clrMapOvr>
+</p:sld>
+</file>
+
+<file path=ppt/slides/slide21.xml><?xml version="1.0" encoding="utf-8"?>
+<p:sld xmlns:a="http://schemas.openxmlformats.org/drawingml/2006/main" xmlns:r="http://schemas.openxmlformats.org/officeDocument/2006/relationships" xmlns:p="http://schemas.openxmlformats.org/presentationml/2006/main">
+  <p:cSld>
+    <p:spTree>
+      <p:nvGrpSpPr>
+        <p:cNvPr id="1" name=""/>
+        <p:cNvGrpSpPr/>
+        <p:nvPr/>
+      </p:nvGrpSpPr>
+      <p:grpSpPr>
+        <a:xfrm>
+          <a:off x="0" y="0"/>
+          <a:ext cx="0" cy="0"/>
+          <a:chOff x="0" y="0"/>
+          <a:chExt cx="0" cy="0"/>
+        </a:xfrm>
+      </p:grpSpPr>
+      <p:pic>
+        <p:nvPicPr>
+          <p:cNvPr id="5" name="Picture 4">
+            <a:extLst>
+              <a:ext uri="{FF2B5EF4-FFF2-40B4-BE49-F238E27FC236}">
+                <a16:creationId xmlns:a16="http://schemas.microsoft.com/office/drawing/2014/main" id="{FD3F7FC1-D5D2-F018-3A02-A9C9C6CD65F2}"/>
+              </a:ext>
+            </a:extLst>
+          </p:cNvPr>
+          <p:cNvPicPr>
+            <a:picLocks noChangeAspect="1"/>
+          </p:cNvPicPr>
+          <p:nvPr/>
+        </p:nvPicPr>
+        <p:blipFill>
+          <a:blip r:embed="rId2" cstate="print">
+            <a:extLst>
+              <a:ext uri="{28A0092B-C50C-407E-A947-70E740481C1C}">
+                <a14:useLocalDpi xmlns:a14="http://schemas.microsoft.com/office/drawing/2010/main" val="0"/>
+              </a:ext>
+            </a:extLst>
+          </a:blip>
+          <a:stretch>
+            <a:fillRect/>
+          </a:stretch>
+        </p:blipFill>
+        <p:spPr>
+          <a:xfrm>
+            <a:off x="4698852" y="0"/>
+            <a:ext cx="4445148" cy="4558795"/>
+          </a:xfrm>
+          <a:prstGeom prst="rect">
+            <a:avLst/>
+          </a:prstGeom>
+        </p:spPr>
+      </p:pic>
+      <p:pic>
+        <p:nvPicPr>
+          <p:cNvPr id="9" name="Picture 8">
+            <a:extLst>
+              <a:ext uri="{FF2B5EF4-FFF2-40B4-BE49-F238E27FC236}">
+                <a16:creationId xmlns:a16="http://schemas.microsoft.com/office/drawing/2014/main" id="{B9004409-81E9-674B-1095-1D36018357D0}"/>
+              </a:ext>
+            </a:extLst>
+          </p:cNvPr>
+          <p:cNvPicPr>
+            <a:picLocks noChangeAspect="1"/>
+          </p:cNvPicPr>
+          <p:nvPr/>
+        </p:nvPicPr>
+        <p:blipFill>
+          <a:blip r:embed="rId3" cstate="print">
+            <a:extLst>
+              <a:ext uri="{28A0092B-C50C-407E-A947-70E740481C1C}">
+                <a14:useLocalDpi xmlns:a14="http://schemas.microsoft.com/office/drawing/2010/main" val="0"/>
+              </a:ext>
+            </a:extLst>
+          </a:blip>
+          <a:stretch>
+            <a:fillRect/>
+          </a:stretch>
+        </p:blipFill>
+        <p:spPr>
+          <a:xfrm>
+            <a:off x="0" y="0"/>
+            <a:ext cx="4584447" cy="4852629"/>
+          </a:xfrm>
+          <a:prstGeom prst="rect">
+            <a:avLst/>
+          </a:prstGeom>
+        </p:spPr>
+      </p:pic>
+      <p:sp>
+        <p:nvSpPr>
+          <p:cNvPr id="10" name="TextBox 9">
+            <a:extLst>
+              <a:ext uri="{FF2B5EF4-FFF2-40B4-BE49-F238E27FC236}">
+                <a16:creationId xmlns:a16="http://schemas.microsoft.com/office/drawing/2014/main" id="{787DB766-5248-4ED6-CD04-7916D98DA924}"/>
+              </a:ext>
+            </a:extLst>
+          </p:cNvPr>
+          <p:cNvSpPr txBox="1"/>
+          <p:nvPr/>
+        </p:nvSpPr>
+        <p:spPr>
+          <a:xfrm>
+            <a:off x="99237" y="4420295"/>
+            <a:ext cx="1081771" cy="276999"/>
+          </a:xfrm>
+          <a:prstGeom prst="rect">
+            <a:avLst/>
+          </a:prstGeom>
+          <a:noFill/>
+        </p:spPr>
+        <p:txBody>
+          <a:bodyPr wrap="none" rtlCol="0">
+            <a:spAutoFit/>
+          </a:bodyPr>
+          <a:lstStyle/>
+          <a:p>
+            <a:r>
+              <a:rPr lang="en-US" sz="1200" i="1" dirty="0" err="1"/>
+              <a:t>RandomWalks</a:t>
+            </a:r>
+            <a:endParaRPr lang="en-US" sz="1200" i="1" dirty="0"/>
+          </a:p>
+        </p:txBody>
+      </p:sp>
+      <p:sp>
+        <p:nvSpPr>
+          <p:cNvPr id="11" name="TextBox 10">
+            <a:extLst>
+              <a:ext uri="{FF2B5EF4-FFF2-40B4-BE49-F238E27FC236}">
+                <a16:creationId xmlns:a16="http://schemas.microsoft.com/office/drawing/2014/main" id="{5A19AC51-313A-D87D-0008-BD807DDB6845}"/>
+              </a:ext>
+            </a:extLst>
+          </p:cNvPr>
+          <p:cNvSpPr txBox="1"/>
+          <p:nvPr/>
+        </p:nvSpPr>
+        <p:spPr>
+          <a:xfrm>
+            <a:off x="4802372" y="4143296"/>
+            <a:ext cx="975973" cy="276999"/>
+          </a:xfrm>
+          <a:prstGeom prst="rect">
+            <a:avLst/>
+          </a:prstGeom>
+          <a:noFill/>
+        </p:spPr>
+        <p:txBody>
+          <a:bodyPr wrap="none" rtlCol="0">
+            <a:spAutoFit/>
+          </a:bodyPr>
+          <a:lstStyle/>
+          <a:p>
+            <a:r>
+              <a:rPr lang="en-US" sz="1200" i="1" dirty="0" err="1"/>
+              <a:t>Walklets</a:t>
+            </a:r>
+            <a:r>
+              <a:rPr lang="en-US" sz="1200" i="1" dirty="0"/>
+              <a:t> k=2</a:t>
+            </a:r>
+          </a:p>
+        </p:txBody>
+      </p:sp>
+    </p:spTree>
+    <p:extLst>
+      <p:ext uri="{BB962C8B-B14F-4D97-AF65-F5344CB8AC3E}">
+        <p14:creationId xmlns:p14="http://schemas.microsoft.com/office/powerpoint/2010/main" val="3194585781"/>
+      </p:ext>
+    </p:extLst>
+  </p:cSld>
+  <p:clrMapOvr>
+    <a:masterClrMapping/>
+  </p:clrMapOvr>
+</p:sld>
+</file>
+
+<file path=ppt/slides/slide22.xml><?xml version="1.0" encoding="utf-8"?>
+<p:sld xmlns:a="http://schemas.openxmlformats.org/drawingml/2006/main" xmlns:r="http://schemas.openxmlformats.org/officeDocument/2006/relationships" xmlns:p="http://schemas.openxmlformats.org/presentationml/2006/main">
+  <p:cSld>
+    <p:spTree>
+      <p:nvGrpSpPr>
+        <p:cNvPr id="1" name=""/>
+        <p:cNvGrpSpPr/>
+        <p:nvPr/>
+      </p:nvGrpSpPr>
+      <p:grpSpPr>
+        <a:xfrm>
+          <a:off x="0" y="0"/>
+          <a:ext cx="0" cy="0"/>
+          <a:chOff x="0" y="0"/>
+          <a:chExt cx="0" cy="0"/>
+        </a:xfrm>
+      </p:grpSpPr>
+      <p:pic>
+        <p:nvPicPr>
+          <p:cNvPr id="7" name="Picture 6">
+            <a:extLst>
+              <a:ext uri="{FF2B5EF4-FFF2-40B4-BE49-F238E27FC236}">
+                <a16:creationId xmlns:a16="http://schemas.microsoft.com/office/drawing/2014/main" id="{DC2F48D3-4D65-97E0-CCA7-E53146537E90}"/>
+              </a:ext>
+            </a:extLst>
+          </p:cNvPr>
+          <p:cNvPicPr>
+            <a:picLocks noChangeAspect="1"/>
+          </p:cNvPicPr>
+          <p:nvPr/>
+        </p:nvPicPr>
+        <p:blipFill>
+          <a:blip r:embed="rId2" cstate="print">
+            <a:extLst>
+              <a:ext uri="{28A0092B-C50C-407E-A947-70E740481C1C}">
+                <a14:useLocalDpi xmlns:a14="http://schemas.microsoft.com/office/drawing/2010/main" val="0"/>
+              </a:ext>
+            </a:extLst>
+          </a:blip>
+          <a:stretch>
+            <a:fillRect/>
+          </a:stretch>
+        </p:blipFill>
+        <p:spPr>
+          <a:xfrm>
+            <a:off x="0" y="0"/>
+            <a:ext cx="5015277" cy="5143500"/>
+          </a:xfrm>
+          <a:prstGeom prst="rect">
+            <a:avLst/>
+          </a:prstGeom>
+        </p:spPr>
+      </p:pic>
+      <p:sp>
+        <p:nvSpPr>
+          <p:cNvPr id="4" name="TextBox 3">
+            <a:extLst>
+              <a:ext uri="{FF2B5EF4-FFF2-40B4-BE49-F238E27FC236}">
+                <a16:creationId xmlns:a16="http://schemas.microsoft.com/office/drawing/2014/main" id="{864EF325-4BD8-04AE-7F86-9CAC8B9810B7}"/>
+              </a:ext>
+            </a:extLst>
+          </p:cNvPr>
+          <p:cNvSpPr txBox="1"/>
+          <p:nvPr/>
+        </p:nvSpPr>
+        <p:spPr>
+          <a:xfrm>
+            <a:off x="141767" y="4703830"/>
+            <a:ext cx="969561" cy="276999"/>
+          </a:xfrm>
+          <a:prstGeom prst="rect">
+            <a:avLst/>
+          </a:prstGeom>
+          <a:noFill/>
+        </p:spPr>
+        <p:txBody>
+          <a:bodyPr wrap="none" rtlCol="0">
+            <a:spAutoFit/>
+          </a:bodyPr>
+          <a:lstStyle/>
+          <a:p>
+            <a:r>
+              <a:rPr lang="en-US" sz="1200" i="1" dirty="0" err="1"/>
+              <a:t>Walklets</a:t>
+            </a:r>
+            <a:r>
+              <a:rPr lang="en-US" sz="1200" i="1" dirty="0"/>
+              <a:t> k=3</a:t>
+            </a:r>
+          </a:p>
+        </p:txBody>
+      </p:sp>
+    </p:spTree>
+    <p:extLst>
+      <p:ext uri="{BB962C8B-B14F-4D97-AF65-F5344CB8AC3E}">
+        <p14:creationId xmlns:p14="http://schemas.microsoft.com/office/powerpoint/2010/main" val="4003226903"/>
+      </p:ext>
+    </p:extLst>
+  </p:cSld>
+  <p:clrMapOvr>
+    <a:masterClrMapping/>
+  </p:clrMapOvr>
+</p:sld>
+</file>
+
+<file path=ppt/slides/slide23.xml><?xml version="1.0" encoding="utf-8"?>
+<p:sld xmlns:a="http://schemas.openxmlformats.org/drawingml/2006/main" xmlns:r="http://schemas.openxmlformats.org/officeDocument/2006/relationships" xmlns:p="http://schemas.openxmlformats.org/presentationml/2006/main">
+  <p:cSld>
+    <p:spTree>
+      <p:nvGrpSpPr>
+        <p:cNvPr id="1" name="">
+          <a:extLst>
+            <a:ext uri="{FF2B5EF4-FFF2-40B4-BE49-F238E27FC236}">
+              <a16:creationId xmlns:a16="http://schemas.microsoft.com/office/drawing/2014/main" id="{09939324-AAF1-82A6-2C24-D59D96818B97}"/>
+            </a:ext>
+          </a:extLst>
+        </p:cNvPr>
+        <p:cNvGrpSpPr/>
+        <p:nvPr/>
+      </p:nvGrpSpPr>
+      <p:grpSpPr>
+        <a:xfrm>
+          <a:off x="0" y="0"/>
+          <a:ext cx="0" cy="0"/>
+          <a:chOff x="0" y="0"/>
+          <a:chExt cx="0" cy="0"/>
+        </a:xfrm>
+      </p:grpSpPr>
+      <p:sp>
+        <p:nvSpPr>
+          <p:cNvPr id="8" name="TextBox 7">
+            <a:extLst>
+              <a:ext uri="{FF2B5EF4-FFF2-40B4-BE49-F238E27FC236}">
+                <a16:creationId xmlns:a16="http://schemas.microsoft.com/office/drawing/2014/main" id="{0DC28D0B-B37B-734A-B712-69C4918CE9EA}"/>
+              </a:ext>
+            </a:extLst>
+          </p:cNvPr>
+          <p:cNvSpPr txBox="1"/>
+          <p:nvPr/>
+        </p:nvSpPr>
+        <p:spPr>
+          <a:xfrm>
+            <a:off x="2942051" y="4713768"/>
+            <a:ext cx="4148059" cy="338554"/>
+          </a:xfrm>
+          <a:prstGeom prst="rect">
+            <a:avLst/>
+          </a:prstGeom>
+          <a:noFill/>
+        </p:spPr>
+        <p:txBody>
+          <a:bodyPr wrap="none" rtlCol="0">
+            <a:spAutoFit/>
+          </a:bodyPr>
+          <a:lstStyle/>
+          <a:p>
+            <a:r>
+              <a:rPr lang="en-US" sz="1600" i="1" dirty="0">
+                <a:solidFill>
+                  <a:srgbClr val="FF0000"/>
+                </a:solidFill>
+              </a:rPr>
+              <a:t>*Homophily causes the difference between uF1’s</a:t>
+            </a:r>
+          </a:p>
+        </p:txBody>
+      </p:sp>
+      <p:graphicFrame>
+        <p:nvGraphicFramePr>
+          <p:cNvPr id="2" name="Object 1">
+            <a:extLst>
+              <a:ext uri="{FF2B5EF4-FFF2-40B4-BE49-F238E27FC236}">
+                <a16:creationId xmlns:a16="http://schemas.microsoft.com/office/drawing/2014/main" id="{65C76690-C857-B82A-4224-461494BF1C1C}"/>
+              </a:ext>
+            </a:extLst>
+          </p:cNvPr>
+          <p:cNvGraphicFramePr>
+            <a:graphicFrameLocks noChangeAspect="1"/>
+          </p:cNvGraphicFramePr>
+          <p:nvPr>
+            <p:extLst>
+              <p:ext uri="{D42A27DB-BD31-4B8C-83A1-F6EECF244321}">
+                <p14:modId xmlns:p14="http://schemas.microsoft.com/office/powerpoint/2010/main" val="3140061220"/>
+              </p:ext>
+            </p:extLst>
+          </p:nvPr>
+        </p:nvGraphicFramePr>
+        <p:xfrm>
+          <a:off x="1482836" y="2018506"/>
+          <a:ext cx="6791325" cy="1106487"/>
+        </p:xfrm>
+        <a:graphic>
+          <a:graphicData uri="http://schemas.openxmlformats.org/presentationml/2006/ole">
+            <mc:AlternateContent xmlns:mc="http://schemas.openxmlformats.org/markup-compatibility/2006">
+              <mc:Choice xmlns:v="urn:schemas-microsoft-com:vml" Requires="v">
+                <p:oleObj name="Worksheet" r:id="rId2" imgW="5653969" imgH="921886" progId="Excel.Sheet.12">
+                  <p:embed/>
+                </p:oleObj>
+              </mc:Choice>
+              <mc:Fallback>
+                <p:oleObj name="Worksheet" r:id="rId2" imgW="5653969" imgH="921886" progId="Excel.Sheet.12">
+                  <p:embed/>
+                  <p:pic>
+                    <p:nvPicPr>
+                      <p:cNvPr id="7" name="Object 6">
+                        <a:extLst>
+                          <a:ext uri="{FF2B5EF4-FFF2-40B4-BE49-F238E27FC236}">
+                            <a16:creationId xmlns:a16="http://schemas.microsoft.com/office/drawing/2014/main" id="{F6C54DDE-B90D-0BB3-BD2E-5A458073146A}"/>
+                          </a:ext>
+                        </a:extLst>
+                      </p:cNvPr>
+                      <p:cNvPicPr/>
+                      <p:nvPr/>
+                    </p:nvPicPr>
+                    <p:blipFill>
+                      <a:blip r:embed="rId3"/>
+                      <a:stretch>
+                        <a:fillRect/>
+                      </a:stretch>
+                    </p:blipFill>
+                    <p:spPr>
+                      <a:xfrm>
+                        <a:off x="1482836" y="2018506"/>
+                        <a:ext cx="6791325" cy="1106487"/>
+                      </a:xfrm>
+                      <a:prstGeom prst="rect">
+                        <a:avLst/>
+                      </a:prstGeom>
+                    </p:spPr>
+                  </p:pic>
+                </p:oleObj>
+              </mc:Fallback>
+            </mc:AlternateContent>
+          </a:graphicData>
+        </a:graphic>
+      </p:graphicFrame>
+    </p:spTree>
+    <p:extLst>
+      <p:ext uri="{BB962C8B-B14F-4D97-AF65-F5344CB8AC3E}">
+        <p14:creationId xmlns:p14="http://schemas.microsoft.com/office/powerpoint/2010/main" val="2488011560"/>
+      </p:ext>
+    </p:extLst>
+  </p:cSld>
+  <p:clrMapOvr>
+    <a:masterClrMapping/>
+  </p:clrMapOvr>
+</p:sld>
+</file>
+
+<file path=ppt/slides/slide24.xml><?xml version="1.0" encoding="utf-8"?>
+<p:sld xmlns:a="http://schemas.openxmlformats.org/drawingml/2006/main" xmlns:r="http://schemas.openxmlformats.org/officeDocument/2006/relationships" xmlns:p="http://schemas.openxmlformats.org/presentationml/2006/main">
+  <p:cSld>
+    <p:spTree>
+      <p:nvGrpSpPr>
+        <p:cNvPr id="1" name=""/>
+        <p:cNvGrpSpPr/>
+        <p:nvPr/>
+      </p:nvGrpSpPr>
+      <p:grpSpPr>
+        <a:xfrm>
+          <a:off x="0" y="0"/>
+          <a:ext cx="0" cy="0"/>
+          <a:chOff x="0" y="0"/>
+          <a:chExt cx="0" cy="0"/>
+        </a:xfrm>
+      </p:grpSpPr>
+      <p:sp>
+        <p:nvSpPr>
+          <p:cNvPr id="4" name="TextBox 3">
+            <a:extLst>
+              <a:ext uri="{FF2B5EF4-FFF2-40B4-BE49-F238E27FC236}">
+                <a16:creationId xmlns:a16="http://schemas.microsoft.com/office/drawing/2014/main" id="{D86D5736-5250-452A-D73D-6C0BA0CADD68}"/>
+              </a:ext>
+            </a:extLst>
+          </p:cNvPr>
+          <p:cNvSpPr txBox="1"/>
+          <p:nvPr/>
+        </p:nvSpPr>
+        <p:spPr>
+          <a:xfrm>
+            <a:off x="1821711" y="4435614"/>
+            <a:ext cx="2539478" cy="707886"/>
+          </a:xfrm>
+          <a:prstGeom prst="rect">
+            <a:avLst/>
+          </a:prstGeom>
+          <a:noFill/>
+        </p:spPr>
+        <p:txBody>
+          <a:bodyPr wrap="none" rtlCol="0">
+            <a:spAutoFit/>
+          </a:bodyPr>
+          <a:lstStyle/>
+          <a:p>
+            <a:r>
+              <a:rPr lang="en-US" sz="4000" i="1" dirty="0"/>
+              <a:t>Thank you!</a:t>
+            </a:r>
+          </a:p>
+        </p:txBody>
+      </p:sp>
+    </p:spTree>
+    <p:extLst>
+      <p:ext uri="{BB962C8B-B14F-4D97-AF65-F5344CB8AC3E}">
+        <p14:creationId xmlns:p14="http://schemas.microsoft.com/office/powerpoint/2010/main" val="2059364579"/>
       </p:ext>
     </p:extLst>
   </p:cSld>
@@ -7459,7 +10161,7 @@
         </p:nvSpPr>
         <p:spPr>
           <a:xfrm>
-            <a:off x="1110343" y="502420"/>
+            <a:off x="670864" y="561521"/>
             <a:ext cx="8229240" cy="2982960"/>
           </a:xfrm>
         </p:spPr>
@@ -7468,27 +10170,32 @@
           <a:lstStyle/>
           <a:p>
             <a:r>
-              <a:rPr lang="en-US" dirty="0">
+              <a:rPr lang="en-US" sz="1800" dirty="0">
                 <a:cs typeface="Arial" panose="020B0604020202020204" pitchFamily="34" charset="0"/>
               </a:rPr>
               <a:t>Data type for storing relevant </a:t>
             </a:r>
             <a:r>
-              <a:rPr lang="en-US" dirty="0" err="1">
+              <a:rPr lang="en-US" sz="1800" dirty="0" err="1">
                 <a:cs typeface="Arial" panose="020B0604020202020204" pitchFamily="34" charset="0"/>
               </a:rPr>
               <a:t>informations</a:t>
             </a:r>
             <a:r>
-              <a:rPr lang="en-US" dirty="0">
+              <a:rPr lang="en-US" sz="1800" dirty="0">
                 <a:cs typeface="Arial" panose="020B0604020202020204" pitchFamily="34" charset="0"/>
               </a:rPr>
               <a:t> and used for different kind of tasks</a:t>
             </a:r>
           </a:p>
           <a:p>
-            <a:r>
-              <a:rPr lang="en-US" dirty="0">
+            <a:endParaRPr lang="en-US" sz="1800" dirty="0">
+              <a:cs typeface="Arial" panose="020B0604020202020204" pitchFamily="34" charset="0"/>
+            </a:endParaRPr>
+          </a:p>
+          <a:p>
+            <a:r>
+              <a:rPr lang="en-US" sz="1800" dirty="0">
                 <a:cs typeface="Arial" panose="020B0604020202020204" pitchFamily="34" charset="0"/>
               </a:rPr>
               <a:t>They are used in AI related fields in ways of:</a:t>
@@ -7512,7 +10219,7 @@
         </p:nvSpPr>
         <p:spPr>
           <a:xfrm>
-            <a:off x="2916212" y="2268574"/>
+            <a:off x="2916212" y="2447882"/>
             <a:ext cx="6688532" cy="1096599"/>
           </a:xfrm>
           <a:prstGeom prst="rect">
@@ -7807,7 +10514,7 @@
         </p:nvSpPr>
         <p:spPr>
           <a:xfrm>
-            <a:off x="2916212" y="2937079"/>
+            <a:off x="2916212" y="3085836"/>
             <a:ext cx="6688532" cy="1096599"/>
           </a:xfrm>
           <a:prstGeom prst="rect">
@@ -8078,7 +10785,7 @@
         </p:nvSpPr>
         <p:spPr>
           <a:xfrm>
-            <a:off x="2916212" y="3544481"/>
+            <a:off x="2916212" y="3794674"/>
             <a:ext cx="6688532" cy="1096599"/>
           </a:xfrm>
           <a:prstGeom prst="rect">
@@ -8423,7 +11130,7 @@
         </p:nvSpPr>
         <p:spPr>
           <a:xfrm>
-            <a:off x="361507" y="132183"/>
+            <a:off x="474921" y="140892"/>
             <a:ext cx="4742121" cy="1458105"/>
           </a:xfrm>
         </p:spPr>
@@ -8435,7 +11142,7 @@
               <a:rPr lang="en-US" dirty="0">
                 <a:cs typeface="Arial" panose="020B0604020202020204" pitchFamily="34" charset="0"/>
               </a:rPr>
-              <a:t>Some Algorithms…</a:t>
+              <a:t>Types of embeddings…</a:t>
             </a:r>
           </a:p>
         </p:txBody>
@@ -8977,15 +11684,7 @@
             </a:pPr>
             <a:r>
               <a:rPr lang="en-US" b="1" dirty="0"/>
-              <a:t>For networks(represented as graphs)--&gt; embeddings of nodes will preserve the information about network structure                               in </a:t>
-            </a:r>
-            <a:r>
-              <a:rPr lang="en-US" b="1" dirty="0" err="1"/>
-              <a:t>e.g</a:t>
-            </a:r>
-            <a:r>
-              <a:rPr lang="en-US" b="1" dirty="0"/>
-              <a:t> labels or features of other nodes</a:t>
+              <a:t>For networks(represented as graphs)--&gt; embeddings of nodes will preserve the information about network structure                               or labels or features of other nodes</a:t>
             </a:r>
           </a:p>
         </p:txBody>
@@ -9263,15 +11962,7 @@
             </a:r>
             <a:r>
               <a:rPr lang="en-US" b="1" dirty="0"/>
-              <a:t> images) --&gt; embeddings of inputs will preserve their features info                                                                               in </a:t>
-            </a:r>
-            <a:r>
-              <a:rPr lang="en-US" b="1" dirty="0" err="1"/>
-              <a:t>e.g</a:t>
-            </a:r>
-            <a:r>
-              <a:rPr lang="en-US" b="1" dirty="0"/>
-              <a:t> for further classification tasks</a:t>
+              <a:t> images) --&gt; embeddings of inputs will preserve their features info                                                                               and use them after for further classification tasks</a:t>
             </a:r>
             <a:endParaRPr lang="en-US" dirty="0"/>
           </a:p>
@@ -9291,7 +11982,7 @@
         </p:nvSpPr>
         <p:spPr>
           <a:xfrm>
-            <a:off x="771393" y="3972532"/>
+            <a:off x="771393" y="3987257"/>
             <a:ext cx="8553945" cy="369332"/>
           </a:xfrm>
           <a:prstGeom prst="rect">
@@ -9300,7 +11991,7 @@
           <a:noFill/>
         </p:spPr>
         <p:txBody>
-          <a:bodyPr wrap="none" rtlCol="0">
+          <a:bodyPr wrap="square" rtlCol="0">
             <a:spAutoFit/>
           </a:bodyPr>
           <a:lstStyle/>
@@ -9339,7 +12030,7 @@
         </p:nvSpPr>
         <p:spPr>
           <a:xfrm>
-            <a:off x="1307151" y="4312069"/>
+            <a:off x="1399300" y="4416746"/>
             <a:ext cx="8605283" cy="369332"/>
           </a:xfrm>
           <a:prstGeom prst="rect">
@@ -9372,6 +12063,1436 @@
     <p:extLst>
       <p:ext uri="{BB962C8B-B14F-4D97-AF65-F5344CB8AC3E}">
         <p14:creationId xmlns:p14="http://schemas.microsoft.com/office/powerpoint/2010/main" val="2753670719"/>
+      </p:ext>
+    </p:extLst>
+  </p:cSld>
+  <p:clrMapOvr>
+    <a:masterClrMapping/>
+  </p:clrMapOvr>
+</p:sld>
+</file>
+
+<file path=ppt/slides/slide6.xml><?xml version="1.0" encoding="utf-8"?>
+<p:sld xmlns:a="http://schemas.openxmlformats.org/drawingml/2006/main" xmlns:r="http://schemas.openxmlformats.org/officeDocument/2006/relationships" xmlns:p="http://schemas.openxmlformats.org/presentationml/2006/main">
+  <p:cSld>
+    <p:spTree>
+      <p:nvGrpSpPr>
+        <p:cNvPr id="1" name="">
+          <a:extLst>
+            <a:ext uri="{FF2B5EF4-FFF2-40B4-BE49-F238E27FC236}">
+              <a16:creationId xmlns:a16="http://schemas.microsoft.com/office/drawing/2014/main" id="{0B9EC366-3FEE-B5EB-26AC-18DF0C424A81}"/>
+            </a:ext>
+          </a:extLst>
+        </p:cNvPr>
+        <p:cNvGrpSpPr/>
+        <p:nvPr/>
+      </p:nvGrpSpPr>
+      <p:grpSpPr>
+        <a:xfrm>
+          <a:off x="0" y="0"/>
+          <a:ext cx="0" cy="0"/>
+          <a:chOff x="0" y="0"/>
+          <a:chExt cx="0" cy="0"/>
+        </a:xfrm>
+      </p:grpSpPr>
+      <p:sp>
+        <p:nvSpPr>
+          <p:cNvPr id="3" name="Subtitle 2">
+            <a:extLst>
+              <a:ext uri="{FF2B5EF4-FFF2-40B4-BE49-F238E27FC236}">
+                <a16:creationId xmlns:a16="http://schemas.microsoft.com/office/drawing/2014/main" id="{CCC1013F-3532-0B98-6D40-3A73190C3CC3}"/>
+              </a:ext>
+            </a:extLst>
+          </p:cNvPr>
+          <p:cNvSpPr>
+            <a:spLocks noGrp="1"/>
+          </p:cNvSpPr>
+          <p:nvPr>
+            <p:ph type="subTitle"/>
+          </p:nvPr>
+        </p:nvSpPr>
+        <p:spPr>
+          <a:xfrm>
+            <a:off x="771393" y="146029"/>
+            <a:ext cx="4742121" cy="1458105"/>
+          </a:xfrm>
+        </p:spPr>
+        <p:txBody>
+          <a:bodyPr/>
+          <a:lstStyle/>
+          <a:p>
+            <a:r>
+              <a:rPr lang="en-US" dirty="0" err="1">
+                <a:cs typeface="Arial" panose="020B0604020202020204" pitchFamily="34" charset="0"/>
+              </a:rPr>
+              <a:t>RandomWalk</a:t>
+            </a:r>
+            <a:r>
+              <a:rPr lang="en-US" dirty="0">
+                <a:cs typeface="Arial" panose="020B0604020202020204" pitchFamily="34" charset="0"/>
+              </a:rPr>
+              <a:t> Algorithms</a:t>
+            </a:r>
+          </a:p>
+        </p:txBody>
+      </p:sp>
+      <p:sp>
+        <p:nvSpPr>
+          <p:cNvPr id="5" name="Subtitle 2">
+            <a:extLst>
+              <a:ext uri="{FF2B5EF4-FFF2-40B4-BE49-F238E27FC236}">
+                <a16:creationId xmlns:a16="http://schemas.microsoft.com/office/drawing/2014/main" id="{A3EA30F3-2E6B-2E8C-9810-2ADF384A3C5A}"/>
+              </a:ext>
+            </a:extLst>
+          </p:cNvPr>
+          <p:cNvSpPr txBox="1">
+            <a:spLocks/>
+          </p:cNvSpPr>
+          <p:nvPr/>
+        </p:nvSpPr>
+        <p:spPr>
+          <a:xfrm>
+            <a:off x="1122853" y="966571"/>
+            <a:ext cx="6688532" cy="1096599"/>
+          </a:xfrm>
+          <a:prstGeom prst="rect">
+            <a:avLst/>
+          </a:prstGeom>
+          <a:noFill/>
+          <a:ln w="0">
+            <a:noFill/>
+          </a:ln>
+        </p:spPr>
+        <p:txBody>
+          <a:bodyPr vert="horz" lIns="0" tIns="0" rIns="0" bIns="0" rtlCol="0" anchor="ctr">
+            <a:noAutofit/>
+          </a:bodyPr>
+          <a:lstStyle>
+            <a:lvl1pPr marL="214313" indent="-214313" algn="l" defTabSz="342900" rtl="0" eaLnBrk="1" latinLnBrk="0" hangingPunct="1">
+              <a:spcBef>
+                <a:spcPct val="20000"/>
+              </a:spcBef>
+              <a:spcAft>
+                <a:spcPts val="450"/>
+              </a:spcAft>
+              <a:buClr>
+                <a:schemeClr val="accent1">
+                  <a:lumMod val="75000"/>
+                </a:schemeClr>
+              </a:buClr>
+              <a:buSzPct val="145000"/>
+              <a:buFont typeface="Arial"/>
+              <a:buChar char="•"/>
+              <a:defRPr sz="1800" kern="1200" cap="none">
+                <a:solidFill>
+                  <a:schemeClr val="tx1"/>
+                </a:solidFill>
+                <a:effectLst/>
+                <a:latin typeface="+mn-lt"/>
+                <a:ea typeface="+mn-ea"/>
+                <a:cs typeface="+mn-cs"/>
+              </a:defRPr>
+            </a:lvl1pPr>
+            <a:lvl2pPr marL="557213" indent="-214313" algn="l" defTabSz="342900" rtl="0" eaLnBrk="1" latinLnBrk="0" hangingPunct="1">
+              <a:spcBef>
+                <a:spcPct val="20000"/>
+              </a:spcBef>
+              <a:spcAft>
+                <a:spcPts val="450"/>
+              </a:spcAft>
+              <a:buClr>
+                <a:schemeClr val="accent1">
+                  <a:lumMod val="75000"/>
+                </a:schemeClr>
+              </a:buClr>
+              <a:buSzPct val="145000"/>
+              <a:buFont typeface="Arial"/>
+              <a:buChar char="•"/>
+              <a:defRPr sz="1500" kern="1200" cap="none">
+                <a:solidFill>
+                  <a:schemeClr val="tx1"/>
+                </a:solidFill>
+                <a:effectLst/>
+                <a:latin typeface="+mn-lt"/>
+                <a:ea typeface="+mn-ea"/>
+                <a:cs typeface="+mn-cs"/>
+              </a:defRPr>
+            </a:lvl2pPr>
+            <a:lvl3pPr marL="900113" indent="-214313" algn="l" defTabSz="342900" rtl="0" eaLnBrk="1" latinLnBrk="0" hangingPunct="1">
+              <a:spcBef>
+                <a:spcPct val="20000"/>
+              </a:spcBef>
+              <a:spcAft>
+                <a:spcPts val="450"/>
+              </a:spcAft>
+              <a:buClr>
+                <a:schemeClr val="accent1">
+                  <a:lumMod val="75000"/>
+                </a:schemeClr>
+              </a:buClr>
+              <a:buSzPct val="145000"/>
+              <a:buFont typeface="Arial"/>
+              <a:buChar char="•"/>
+              <a:defRPr sz="1350" kern="1200" cap="none">
+                <a:solidFill>
+                  <a:schemeClr val="tx1"/>
+                </a:solidFill>
+                <a:effectLst/>
+                <a:latin typeface="+mn-lt"/>
+                <a:ea typeface="+mn-ea"/>
+                <a:cs typeface="+mn-cs"/>
+              </a:defRPr>
+            </a:lvl3pPr>
+            <a:lvl4pPr marL="1157288" indent="-128588" algn="l" defTabSz="342900" rtl="0" eaLnBrk="1" latinLnBrk="0" hangingPunct="1">
+              <a:spcBef>
+                <a:spcPct val="20000"/>
+              </a:spcBef>
+              <a:spcAft>
+                <a:spcPts val="450"/>
+              </a:spcAft>
+              <a:buClr>
+                <a:schemeClr val="accent1">
+                  <a:lumMod val="75000"/>
+                </a:schemeClr>
+              </a:buClr>
+              <a:buSzPct val="145000"/>
+              <a:buFont typeface="Arial"/>
+              <a:buChar char="•"/>
+              <a:defRPr sz="1200" kern="1200" cap="none">
+                <a:solidFill>
+                  <a:schemeClr val="tx1"/>
+                </a:solidFill>
+                <a:effectLst/>
+                <a:latin typeface="+mn-lt"/>
+                <a:ea typeface="+mn-ea"/>
+                <a:cs typeface="+mn-cs"/>
+              </a:defRPr>
+            </a:lvl4pPr>
+            <a:lvl5pPr marL="1500188" indent="-128588" algn="l" defTabSz="342900" rtl="0" eaLnBrk="1" latinLnBrk="0" hangingPunct="1">
+              <a:spcBef>
+                <a:spcPct val="20000"/>
+              </a:spcBef>
+              <a:spcAft>
+                <a:spcPts val="450"/>
+              </a:spcAft>
+              <a:buClr>
+                <a:schemeClr val="accent1">
+                  <a:lumMod val="75000"/>
+                </a:schemeClr>
+              </a:buClr>
+              <a:buSzPct val="145000"/>
+              <a:buFont typeface="Arial"/>
+              <a:buChar char="•"/>
+              <a:defRPr sz="1050" kern="1200" cap="none">
+                <a:solidFill>
+                  <a:schemeClr val="tx1"/>
+                </a:solidFill>
+                <a:effectLst/>
+                <a:latin typeface="+mn-lt"/>
+                <a:ea typeface="+mn-ea"/>
+                <a:cs typeface="+mn-cs"/>
+              </a:defRPr>
+            </a:lvl5pPr>
+            <a:lvl6pPr marL="1885950" indent="-171450" algn="l" defTabSz="342900" rtl="0" eaLnBrk="1" latinLnBrk="0" hangingPunct="1">
+              <a:spcBef>
+                <a:spcPct val="20000"/>
+              </a:spcBef>
+              <a:spcAft>
+                <a:spcPts val="450"/>
+              </a:spcAft>
+              <a:buClr>
+                <a:schemeClr val="accent1">
+                  <a:lumMod val="75000"/>
+                </a:schemeClr>
+              </a:buClr>
+              <a:buSzPct val="145000"/>
+              <a:buFont typeface="Arial"/>
+              <a:buChar char="•"/>
+              <a:defRPr sz="1050" kern="1200" cap="none">
+                <a:solidFill>
+                  <a:schemeClr val="tx1"/>
+                </a:solidFill>
+                <a:effectLst/>
+                <a:latin typeface="+mn-lt"/>
+                <a:ea typeface="+mn-ea"/>
+                <a:cs typeface="+mn-cs"/>
+              </a:defRPr>
+            </a:lvl6pPr>
+            <a:lvl7pPr marL="2228850" indent="-171450" algn="l" defTabSz="342900" rtl="0" eaLnBrk="1" latinLnBrk="0" hangingPunct="1">
+              <a:spcBef>
+                <a:spcPct val="20000"/>
+              </a:spcBef>
+              <a:spcAft>
+                <a:spcPts val="450"/>
+              </a:spcAft>
+              <a:buClr>
+                <a:schemeClr val="accent1">
+                  <a:lumMod val="75000"/>
+                </a:schemeClr>
+              </a:buClr>
+              <a:buSzPct val="145000"/>
+              <a:buFont typeface="Arial"/>
+              <a:buChar char="•"/>
+              <a:defRPr sz="1050" kern="1200" cap="none">
+                <a:solidFill>
+                  <a:schemeClr val="tx1"/>
+                </a:solidFill>
+                <a:effectLst/>
+                <a:latin typeface="+mn-lt"/>
+                <a:ea typeface="+mn-ea"/>
+                <a:cs typeface="+mn-cs"/>
+              </a:defRPr>
+            </a:lvl7pPr>
+            <a:lvl8pPr marL="2571750" indent="-171450" algn="l" defTabSz="342900" rtl="0" eaLnBrk="1" latinLnBrk="0" hangingPunct="1">
+              <a:spcBef>
+                <a:spcPct val="20000"/>
+              </a:spcBef>
+              <a:spcAft>
+                <a:spcPts val="450"/>
+              </a:spcAft>
+              <a:buClr>
+                <a:schemeClr val="accent1">
+                  <a:lumMod val="75000"/>
+                </a:schemeClr>
+              </a:buClr>
+              <a:buSzPct val="145000"/>
+              <a:buFont typeface="Arial"/>
+              <a:buChar char="•"/>
+              <a:defRPr sz="1050" kern="1200" cap="none">
+                <a:solidFill>
+                  <a:schemeClr val="tx1"/>
+                </a:solidFill>
+                <a:effectLst/>
+                <a:latin typeface="+mn-lt"/>
+                <a:ea typeface="+mn-ea"/>
+                <a:cs typeface="+mn-cs"/>
+              </a:defRPr>
+            </a:lvl8pPr>
+            <a:lvl9pPr marL="2914650" indent="-171450" algn="l" defTabSz="342900" rtl="0" eaLnBrk="1" latinLnBrk="0" hangingPunct="1">
+              <a:spcBef>
+                <a:spcPct val="20000"/>
+              </a:spcBef>
+              <a:spcAft>
+                <a:spcPts val="450"/>
+              </a:spcAft>
+              <a:buClr>
+                <a:schemeClr val="accent1">
+                  <a:lumMod val="75000"/>
+                </a:schemeClr>
+              </a:buClr>
+              <a:buSzPct val="145000"/>
+              <a:buFont typeface="Arial"/>
+              <a:buChar char="•"/>
+              <a:defRPr sz="1050" kern="1200" cap="none">
+                <a:solidFill>
+                  <a:schemeClr val="tx1"/>
+                </a:solidFill>
+                <a:effectLst/>
+                <a:latin typeface="+mn-lt"/>
+                <a:ea typeface="+mn-ea"/>
+                <a:cs typeface="+mn-cs"/>
+              </a:defRPr>
+            </a:lvl9pPr>
+          </a:lstStyle>
+          <a:p>
+            <a:pPr>
+              <a:buFont typeface="Arial" panose="020B0604020202020204" pitchFamily="34" charset="0"/>
+              <a:buChar char="•"/>
+            </a:pPr>
+            <a:r>
+              <a:rPr lang="en-US" dirty="0">
+                <a:cs typeface="Arial" panose="020B0604020202020204" pitchFamily="34" charset="0"/>
+              </a:rPr>
+              <a:t>Used for community learning, by preserving the </a:t>
+            </a:r>
+            <a:r>
+              <a:rPr lang="en-US" dirty="0" err="1">
+                <a:cs typeface="Arial" panose="020B0604020202020204" pitchFamily="34" charset="0"/>
+              </a:rPr>
+              <a:t>neighbours</a:t>
+            </a:r>
+            <a:r>
+              <a:rPr lang="en-US" dirty="0">
+                <a:cs typeface="Arial" panose="020B0604020202020204" pitchFamily="34" charset="0"/>
+              </a:rPr>
+              <a:t> at different scales(distances) in an embedding</a:t>
+            </a:r>
+          </a:p>
+        </p:txBody>
+      </p:sp>
+      <p:sp>
+        <p:nvSpPr>
+          <p:cNvPr id="6" name="Subtitle 2">
+            <a:extLst>
+              <a:ext uri="{FF2B5EF4-FFF2-40B4-BE49-F238E27FC236}">
+                <a16:creationId xmlns:a16="http://schemas.microsoft.com/office/drawing/2014/main" id="{52498286-C845-9EA4-872A-C711218F2FA7}"/>
+              </a:ext>
+            </a:extLst>
+          </p:cNvPr>
+          <p:cNvSpPr txBox="1">
+            <a:spLocks/>
+          </p:cNvSpPr>
+          <p:nvPr/>
+        </p:nvSpPr>
+        <p:spPr>
+          <a:xfrm>
+            <a:off x="1122853" y="1604134"/>
+            <a:ext cx="6688532" cy="1096599"/>
+          </a:xfrm>
+          <a:prstGeom prst="rect">
+            <a:avLst/>
+          </a:prstGeom>
+          <a:noFill/>
+          <a:ln w="0">
+            <a:noFill/>
+          </a:ln>
+        </p:spPr>
+        <p:txBody>
+          <a:bodyPr vert="horz" lIns="0" tIns="0" rIns="0" bIns="0" rtlCol="0" anchor="ctr">
+            <a:noAutofit/>
+          </a:bodyPr>
+          <a:lstStyle>
+            <a:lvl1pPr marL="214313" indent="-214313" algn="l" defTabSz="342900" rtl="0" eaLnBrk="1" latinLnBrk="0" hangingPunct="1">
+              <a:spcBef>
+                <a:spcPct val="20000"/>
+              </a:spcBef>
+              <a:spcAft>
+                <a:spcPts val="450"/>
+              </a:spcAft>
+              <a:buClr>
+                <a:schemeClr val="accent1">
+                  <a:lumMod val="75000"/>
+                </a:schemeClr>
+              </a:buClr>
+              <a:buSzPct val="145000"/>
+              <a:buFont typeface="Arial"/>
+              <a:buChar char="•"/>
+              <a:defRPr sz="1800" kern="1200" cap="none">
+                <a:solidFill>
+                  <a:schemeClr val="tx1"/>
+                </a:solidFill>
+                <a:effectLst/>
+                <a:latin typeface="+mn-lt"/>
+                <a:ea typeface="+mn-ea"/>
+                <a:cs typeface="+mn-cs"/>
+              </a:defRPr>
+            </a:lvl1pPr>
+            <a:lvl2pPr marL="557213" indent="-214313" algn="l" defTabSz="342900" rtl="0" eaLnBrk="1" latinLnBrk="0" hangingPunct="1">
+              <a:spcBef>
+                <a:spcPct val="20000"/>
+              </a:spcBef>
+              <a:spcAft>
+                <a:spcPts val="450"/>
+              </a:spcAft>
+              <a:buClr>
+                <a:schemeClr val="accent1">
+                  <a:lumMod val="75000"/>
+                </a:schemeClr>
+              </a:buClr>
+              <a:buSzPct val="145000"/>
+              <a:buFont typeface="Arial"/>
+              <a:buChar char="•"/>
+              <a:defRPr sz="1500" kern="1200" cap="none">
+                <a:solidFill>
+                  <a:schemeClr val="tx1"/>
+                </a:solidFill>
+                <a:effectLst/>
+                <a:latin typeface="+mn-lt"/>
+                <a:ea typeface="+mn-ea"/>
+                <a:cs typeface="+mn-cs"/>
+              </a:defRPr>
+            </a:lvl2pPr>
+            <a:lvl3pPr marL="900113" indent="-214313" algn="l" defTabSz="342900" rtl="0" eaLnBrk="1" latinLnBrk="0" hangingPunct="1">
+              <a:spcBef>
+                <a:spcPct val="20000"/>
+              </a:spcBef>
+              <a:spcAft>
+                <a:spcPts val="450"/>
+              </a:spcAft>
+              <a:buClr>
+                <a:schemeClr val="accent1">
+                  <a:lumMod val="75000"/>
+                </a:schemeClr>
+              </a:buClr>
+              <a:buSzPct val="145000"/>
+              <a:buFont typeface="Arial"/>
+              <a:buChar char="•"/>
+              <a:defRPr sz="1350" kern="1200" cap="none">
+                <a:solidFill>
+                  <a:schemeClr val="tx1"/>
+                </a:solidFill>
+                <a:effectLst/>
+                <a:latin typeface="+mn-lt"/>
+                <a:ea typeface="+mn-ea"/>
+                <a:cs typeface="+mn-cs"/>
+              </a:defRPr>
+            </a:lvl3pPr>
+            <a:lvl4pPr marL="1157288" indent="-128588" algn="l" defTabSz="342900" rtl="0" eaLnBrk="1" latinLnBrk="0" hangingPunct="1">
+              <a:spcBef>
+                <a:spcPct val="20000"/>
+              </a:spcBef>
+              <a:spcAft>
+                <a:spcPts val="450"/>
+              </a:spcAft>
+              <a:buClr>
+                <a:schemeClr val="accent1">
+                  <a:lumMod val="75000"/>
+                </a:schemeClr>
+              </a:buClr>
+              <a:buSzPct val="145000"/>
+              <a:buFont typeface="Arial"/>
+              <a:buChar char="•"/>
+              <a:defRPr sz="1200" kern="1200" cap="none">
+                <a:solidFill>
+                  <a:schemeClr val="tx1"/>
+                </a:solidFill>
+                <a:effectLst/>
+                <a:latin typeface="+mn-lt"/>
+                <a:ea typeface="+mn-ea"/>
+                <a:cs typeface="+mn-cs"/>
+              </a:defRPr>
+            </a:lvl4pPr>
+            <a:lvl5pPr marL="1500188" indent="-128588" algn="l" defTabSz="342900" rtl="0" eaLnBrk="1" latinLnBrk="0" hangingPunct="1">
+              <a:spcBef>
+                <a:spcPct val="20000"/>
+              </a:spcBef>
+              <a:spcAft>
+                <a:spcPts val="450"/>
+              </a:spcAft>
+              <a:buClr>
+                <a:schemeClr val="accent1">
+                  <a:lumMod val="75000"/>
+                </a:schemeClr>
+              </a:buClr>
+              <a:buSzPct val="145000"/>
+              <a:buFont typeface="Arial"/>
+              <a:buChar char="•"/>
+              <a:defRPr sz="1050" kern="1200" cap="none">
+                <a:solidFill>
+                  <a:schemeClr val="tx1"/>
+                </a:solidFill>
+                <a:effectLst/>
+                <a:latin typeface="+mn-lt"/>
+                <a:ea typeface="+mn-ea"/>
+                <a:cs typeface="+mn-cs"/>
+              </a:defRPr>
+            </a:lvl5pPr>
+            <a:lvl6pPr marL="1885950" indent="-171450" algn="l" defTabSz="342900" rtl="0" eaLnBrk="1" latinLnBrk="0" hangingPunct="1">
+              <a:spcBef>
+                <a:spcPct val="20000"/>
+              </a:spcBef>
+              <a:spcAft>
+                <a:spcPts val="450"/>
+              </a:spcAft>
+              <a:buClr>
+                <a:schemeClr val="accent1">
+                  <a:lumMod val="75000"/>
+                </a:schemeClr>
+              </a:buClr>
+              <a:buSzPct val="145000"/>
+              <a:buFont typeface="Arial"/>
+              <a:buChar char="•"/>
+              <a:defRPr sz="1050" kern="1200" cap="none">
+                <a:solidFill>
+                  <a:schemeClr val="tx1"/>
+                </a:solidFill>
+                <a:effectLst/>
+                <a:latin typeface="+mn-lt"/>
+                <a:ea typeface="+mn-ea"/>
+                <a:cs typeface="+mn-cs"/>
+              </a:defRPr>
+            </a:lvl6pPr>
+            <a:lvl7pPr marL="2228850" indent="-171450" algn="l" defTabSz="342900" rtl="0" eaLnBrk="1" latinLnBrk="0" hangingPunct="1">
+              <a:spcBef>
+                <a:spcPct val="20000"/>
+              </a:spcBef>
+              <a:spcAft>
+                <a:spcPts val="450"/>
+              </a:spcAft>
+              <a:buClr>
+                <a:schemeClr val="accent1">
+                  <a:lumMod val="75000"/>
+                </a:schemeClr>
+              </a:buClr>
+              <a:buSzPct val="145000"/>
+              <a:buFont typeface="Arial"/>
+              <a:buChar char="•"/>
+              <a:defRPr sz="1050" kern="1200" cap="none">
+                <a:solidFill>
+                  <a:schemeClr val="tx1"/>
+                </a:solidFill>
+                <a:effectLst/>
+                <a:latin typeface="+mn-lt"/>
+                <a:ea typeface="+mn-ea"/>
+                <a:cs typeface="+mn-cs"/>
+              </a:defRPr>
+            </a:lvl7pPr>
+            <a:lvl8pPr marL="2571750" indent="-171450" algn="l" defTabSz="342900" rtl="0" eaLnBrk="1" latinLnBrk="0" hangingPunct="1">
+              <a:spcBef>
+                <a:spcPct val="20000"/>
+              </a:spcBef>
+              <a:spcAft>
+                <a:spcPts val="450"/>
+              </a:spcAft>
+              <a:buClr>
+                <a:schemeClr val="accent1">
+                  <a:lumMod val="75000"/>
+                </a:schemeClr>
+              </a:buClr>
+              <a:buSzPct val="145000"/>
+              <a:buFont typeface="Arial"/>
+              <a:buChar char="•"/>
+              <a:defRPr sz="1050" kern="1200" cap="none">
+                <a:solidFill>
+                  <a:schemeClr val="tx1"/>
+                </a:solidFill>
+                <a:effectLst/>
+                <a:latin typeface="+mn-lt"/>
+                <a:ea typeface="+mn-ea"/>
+                <a:cs typeface="+mn-cs"/>
+              </a:defRPr>
+            </a:lvl8pPr>
+            <a:lvl9pPr marL="2914650" indent="-171450" algn="l" defTabSz="342900" rtl="0" eaLnBrk="1" latinLnBrk="0" hangingPunct="1">
+              <a:spcBef>
+                <a:spcPct val="20000"/>
+              </a:spcBef>
+              <a:spcAft>
+                <a:spcPts val="450"/>
+              </a:spcAft>
+              <a:buClr>
+                <a:schemeClr val="accent1">
+                  <a:lumMod val="75000"/>
+                </a:schemeClr>
+              </a:buClr>
+              <a:buSzPct val="145000"/>
+              <a:buFont typeface="Arial"/>
+              <a:buChar char="•"/>
+              <a:defRPr sz="1050" kern="1200" cap="none">
+                <a:solidFill>
+                  <a:schemeClr val="tx1"/>
+                </a:solidFill>
+                <a:effectLst/>
+                <a:latin typeface="+mn-lt"/>
+                <a:ea typeface="+mn-ea"/>
+                <a:cs typeface="+mn-cs"/>
+              </a:defRPr>
+            </a:lvl9pPr>
+          </a:lstStyle>
+          <a:p>
+            <a:r>
+              <a:rPr lang="en-US" dirty="0"/>
+              <a:t>What are the differences? </a:t>
+            </a:r>
+            <a:r>
+              <a:rPr lang="en-US" b="1" dirty="0"/>
+              <a:t>Local vs Multiscale</a:t>
+            </a:r>
+            <a:endParaRPr lang="en-US" dirty="0"/>
+          </a:p>
+        </p:txBody>
+      </p:sp>
+      <p:sp>
+        <p:nvSpPr>
+          <p:cNvPr id="7" name="Subtitle 2">
+            <a:extLst>
+              <a:ext uri="{FF2B5EF4-FFF2-40B4-BE49-F238E27FC236}">
+                <a16:creationId xmlns:a16="http://schemas.microsoft.com/office/drawing/2014/main" id="{7BF00AB8-F05D-3BAA-101F-30C4987279F1}"/>
+              </a:ext>
+            </a:extLst>
+          </p:cNvPr>
+          <p:cNvSpPr txBox="1">
+            <a:spLocks/>
+          </p:cNvSpPr>
+          <p:nvPr/>
+        </p:nvSpPr>
+        <p:spPr>
+          <a:xfrm>
+            <a:off x="1122853" y="2532031"/>
+            <a:ext cx="6688532" cy="1096599"/>
+          </a:xfrm>
+          <a:prstGeom prst="rect">
+            <a:avLst/>
+          </a:prstGeom>
+          <a:noFill/>
+          <a:ln w="0">
+            <a:noFill/>
+          </a:ln>
+        </p:spPr>
+        <p:txBody>
+          <a:bodyPr vert="horz" lIns="0" tIns="0" rIns="0" bIns="0" rtlCol="0" anchor="ctr">
+            <a:noAutofit/>
+          </a:bodyPr>
+          <a:lstStyle>
+            <a:lvl1pPr marL="214313" indent="-214313" algn="l" defTabSz="342900" rtl="0" eaLnBrk="1" latinLnBrk="0" hangingPunct="1">
+              <a:spcBef>
+                <a:spcPct val="20000"/>
+              </a:spcBef>
+              <a:spcAft>
+                <a:spcPts val="450"/>
+              </a:spcAft>
+              <a:buClr>
+                <a:schemeClr val="accent1">
+                  <a:lumMod val="75000"/>
+                </a:schemeClr>
+              </a:buClr>
+              <a:buSzPct val="145000"/>
+              <a:buFont typeface="Arial"/>
+              <a:buChar char="•"/>
+              <a:defRPr sz="1800" kern="1200" cap="none">
+                <a:solidFill>
+                  <a:schemeClr val="tx1"/>
+                </a:solidFill>
+                <a:effectLst/>
+                <a:latin typeface="+mn-lt"/>
+                <a:ea typeface="+mn-ea"/>
+                <a:cs typeface="+mn-cs"/>
+              </a:defRPr>
+            </a:lvl1pPr>
+            <a:lvl2pPr marL="557213" indent="-214313" algn="l" defTabSz="342900" rtl="0" eaLnBrk="1" latinLnBrk="0" hangingPunct="1">
+              <a:spcBef>
+                <a:spcPct val="20000"/>
+              </a:spcBef>
+              <a:spcAft>
+                <a:spcPts val="450"/>
+              </a:spcAft>
+              <a:buClr>
+                <a:schemeClr val="accent1">
+                  <a:lumMod val="75000"/>
+                </a:schemeClr>
+              </a:buClr>
+              <a:buSzPct val="145000"/>
+              <a:buFont typeface="Arial"/>
+              <a:buChar char="•"/>
+              <a:defRPr sz="1500" kern="1200" cap="none">
+                <a:solidFill>
+                  <a:schemeClr val="tx1"/>
+                </a:solidFill>
+                <a:effectLst/>
+                <a:latin typeface="+mn-lt"/>
+                <a:ea typeface="+mn-ea"/>
+                <a:cs typeface="+mn-cs"/>
+              </a:defRPr>
+            </a:lvl2pPr>
+            <a:lvl3pPr marL="900113" indent="-214313" algn="l" defTabSz="342900" rtl="0" eaLnBrk="1" latinLnBrk="0" hangingPunct="1">
+              <a:spcBef>
+                <a:spcPct val="20000"/>
+              </a:spcBef>
+              <a:spcAft>
+                <a:spcPts val="450"/>
+              </a:spcAft>
+              <a:buClr>
+                <a:schemeClr val="accent1">
+                  <a:lumMod val="75000"/>
+                </a:schemeClr>
+              </a:buClr>
+              <a:buSzPct val="145000"/>
+              <a:buFont typeface="Arial"/>
+              <a:buChar char="•"/>
+              <a:defRPr sz="1350" kern="1200" cap="none">
+                <a:solidFill>
+                  <a:schemeClr val="tx1"/>
+                </a:solidFill>
+                <a:effectLst/>
+                <a:latin typeface="+mn-lt"/>
+                <a:ea typeface="+mn-ea"/>
+                <a:cs typeface="+mn-cs"/>
+              </a:defRPr>
+            </a:lvl3pPr>
+            <a:lvl4pPr marL="1157288" indent="-128588" algn="l" defTabSz="342900" rtl="0" eaLnBrk="1" latinLnBrk="0" hangingPunct="1">
+              <a:spcBef>
+                <a:spcPct val="20000"/>
+              </a:spcBef>
+              <a:spcAft>
+                <a:spcPts val="450"/>
+              </a:spcAft>
+              <a:buClr>
+                <a:schemeClr val="accent1">
+                  <a:lumMod val="75000"/>
+                </a:schemeClr>
+              </a:buClr>
+              <a:buSzPct val="145000"/>
+              <a:buFont typeface="Arial"/>
+              <a:buChar char="•"/>
+              <a:defRPr sz="1200" kern="1200" cap="none">
+                <a:solidFill>
+                  <a:schemeClr val="tx1"/>
+                </a:solidFill>
+                <a:effectLst/>
+                <a:latin typeface="+mn-lt"/>
+                <a:ea typeface="+mn-ea"/>
+                <a:cs typeface="+mn-cs"/>
+              </a:defRPr>
+            </a:lvl4pPr>
+            <a:lvl5pPr marL="1500188" indent="-128588" algn="l" defTabSz="342900" rtl="0" eaLnBrk="1" latinLnBrk="0" hangingPunct="1">
+              <a:spcBef>
+                <a:spcPct val="20000"/>
+              </a:spcBef>
+              <a:spcAft>
+                <a:spcPts val="450"/>
+              </a:spcAft>
+              <a:buClr>
+                <a:schemeClr val="accent1">
+                  <a:lumMod val="75000"/>
+                </a:schemeClr>
+              </a:buClr>
+              <a:buSzPct val="145000"/>
+              <a:buFont typeface="Arial"/>
+              <a:buChar char="•"/>
+              <a:defRPr sz="1050" kern="1200" cap="none">
+                <a:solidFill>
+                  <a:schemeClr val="tx1"/>
+                </a:solidFill>
+                <a:effectLst/>
+                <a:latin typeface="+mn-lt"/>
+                <a:ea typeface="+mn-ea"/>
+                <a:cs typeface="+mn-cs"/>
+              </a:defRPr>
+            </a:lvl5pPr>
+            <a:lvl6pPr marL="1885950" indent="-171450" algn="l" defTabSz="342900" rtl="0" eaLnBrk="1" latinLnBrk="0" hangingPunct="1">
+              <a:spcBef>
+                <a:spcPct val="20000"/>
+              </a:spcBef>
+              <a:spcAft>
+                <a:spcPts val="450"/>
+              </a:spcAft>
+              <a:buClr>
+                <a:schemeClr val="accent1">
+                  <a:lumMod val="75000"/>
+                </a:schemeClr>
+              </a:buClr>
+              <a:buSzPct val="145000"/>
+              <a:buFont typeface="Arial"/>
+              <a:buChar char="•"/>
+              <a:defRPr sz="1050" kern="1200" cap="none">
+                <a:solidFill>
+                  <a:schemeClr val="tx1"/>
+                </a:solidFill>
+                <a:effectLst/>
+                <a:latin typeface="+mn-lt"/>
+                <a:ea typeface="+mn-ea"/>
+                <a:cs typeface="+mn-cs"/>
+              </a:defRPr>
+            </a:lvl6pPr>
+            <a:lvl7pPr marL="2228850" indent="-171450" algn="l" defTabSz="342900" rtl="0" eaLnBrk="1" latinLnBrk="0" hangingPunct="1">
+              <a:spcBef>
+                <a:spcPct val="20000"/>
+              </a:spcBef>
+              <a:spcAft>
+                <a:spcPts val="450"/>
+              </a:spcAft>
+              <a:buClr>
+                <a:schemeClr val="accent1">
+                  <a:lumMod val="75000"/>
+                </a:schemeClr>
+              </a:buClr>
+              <a:buSzPct val="145000"/>
+              <a:buFont typeface="Arial"/>
+              <a:buChar char="•"/>
+              <a:defRPr sz="1050" kern="1200" cap="none">
+                <a:solidFill>
+                  <a:schemeClr val="tx1"/>
+                </a:solidFill>
+                <a:effectLst/>
+                <a:latin typeface="+mn-lt"/>
+                <a:ea typeface="+mn-ea"/>
+                <a:cs typeface="+mn-cs"/>
+              </a:defRPr>
+            </a:lvl7pPr>
+            <a:lvl8pPr marL="2571750" indent="-171450" algn="l" defTabSz="342900" rtl="0" eaLnBrk="1" latinLnBrk="0" hangingPunct="1">
+              <a:spcBef>
+                <a:spcPct val="20000"/>
+              </a:spcBef>
+              <a:spcAft>
+                <a:spcPts val="450"/>
+              </a:spcAft>
+              <a:buClr>
+                <a:schemeClr val="accent1">
+                  <a:lumMod val="75000"/>
+                </a:schemeClr>
+              </a:buClr>
+              <a:buSzPct val="145000"/>
+              <a:buFont typeface="Arial"/>
+              <a:buChar char="•"/>
+              <a:defRPr sz="1050" kern="1200" cap="none">
+                <a:solidFill>
+                  <a:schemeClr val="tx1"/>
+                </a:solidFill>
+                <a:effectLst/>
+                <a:latin typeface="+mn-lt"/>
+                <a:ea typeface="+mn-ea"/>
+                <a:cs typeface="+mn-cs"/>
+              </a:defRPr>
+            </a:lvl8pPr>
+            <a:lvl9pPr marL="2914650" indent="-171450" algn="l" defTabSz="342900" rtl="0" eaLnBrk="1" latinLnBrk="0" hangingPunct="1">
+              <a:spcBef>
+                <a:spcPct val="20000"/>
+              </a:spcBef>
+              <a:spcAft>
+                <a:spcPts val="450"/>
+              </a:spcAft>
+              <a:buClr>
+                <a:schemeClr val="accent1">
+                  <a:lumMod val="75000"/>
+                </a:schemeClr>
+              </a:buClr>
+              <a:buSzPct val="145000"/>
+              <a:buFont typeface="Arial"/>
+              <a:buChar char="•"/>
+              <a:defRPr sz="1050" kern="1200" cap="none">
+                <a:solidFill>
+                  <a:schemeClr val="tx1"/>
+                </a:solidFill>
+                <a:effectLst/>
+                <a:latin typeface="+mn-lt"/>
+                <a:ea typeface="+mn-ea"/>
+                <a:cs typeface="+mn-cs"/>
+              </a:defRPr>
+            </a:lvl9pPr>
+          </a:lstStyle>
+          <a:p>
+            <a:r>
+              <a:rPr lang="en-US" dirty="0"/>
+              <a:t>E.g. of algorithms (All uses at their basis the RW algorithm):</a:t>
+            </a:r>
+          </a:p>
+          <a:p>
+            <a:pPr>
+              <a:buFont typeface="Wingdings" panose="05000000000000000000" pitchFamily="2" charset="2"/>
+              <a:buChar char="§"/>
+            </a:pPr>
+            <a:endParaRPr lang="en-US" dirty="0"/>
+          </a:p>
+        </p:txBody>
+      </p:sp>
+      <p:sp>
+        <p:nvSpPr>
+          <p:cNvPr id="4" name="TextBox 3">
+            <a:extLst>
+              <a:ext uri="{FF2B5EF4-FFF2-40B4-BE49-F238E27FC236}">
+                <a16:creationId xmlns:a16="http://schemas.microsoft.com/office/drawing/2014/main" id="{2463FB8F-E091-43B0-073B-4B2F351135A7}"/>
+              </a:ext>
+            </a:extLst>
+          </p:cNvPr>
+          <p:cNvSpPr txBox="1"/>
+          <p:nvPr/>
+        </p:nvSpPr>
+        <p:spPr>
+          <a:xfrm>
+            <a:off x="2562333" y="3166965"/>
+            <a:ext cx="4312399" cy="923330"/>
+          </a:xfrm>
+          <a:prstGeom prst="rect">
+            <a:avLst/>
+          </a:prstGeom>
+          <a:noFill/>
+        </p:spPr>
+        <p:txBody>
+          <a:bodyPr wrap="none" rtlCol="0">
+            <a:spAutoFit/>
+          </a:bodyPr>
+          <a:lstStyle/>
+          <a:p>
+            <a:pPr marL="285750" indent="-285750">
+              <a:buFont typeface="Wingdings" panose="05000000000000000000" pitchFamily="2" charset="2"/>
+              <a:buChar char="§"/>
+            </a:pPr>
+            <a:r>
+              <a:rPr lang="en-US" dirty="0" err="1"/>
+              <a:t>DeepWalk</a:t>
+            </a:r>
+            <a:r>
+              <a:rPr lang="en-US" dirty="0"/>
+              <a:t>			</a:t>
+            </a:r>
+            <a:r>
+              <a:rPr lang="en-US" sz="1100" i="1" dirty="0"/>
+              <a:t>https://arxiv.org/pdf/1403.6652</a:t>
+            </a:r>
+            <a:endParaRPr lang="en-US" i="1" dirty="0"/>
+          </a:p>
+          <a:p>
+            <a:pPr marL="285750" indent="-285750">
+              <a:buFont typeface="Wingdings" panose="05000000000000000000" pitchFamily="2" charset="2"/>
+              <a:buChar char="§"/>
+            </a:pPr>
+            <a:r>
+              <a:rPr lang="en-US" dirty="0" err="1"/>
+              <a:t>Walklets</a:t>
+            </a:r>
+            <a:r>
+              <a:rPr lang="en-US" dirty="0"/>
+              <a:t>			</a:t>
+            </a:r>
+            <a:r>
+              <a:rPr lang="en-US" sz="1100" i="1" dirty="0"/>
+              <a:t>https://arxiv.org/pdf/1605.02115</a:t>
+            </a:r>
+            <a:endParaRPr lang="en-US" sz="1200" i="1" dirty="0"/>
+          </a:p>
+          <a:p>
+            <a:pPr marL="285750" indent="-285750">
+              <a:buFont typeface="Wingdings" panose="05000000000000000000" pitchFamily="2" charset="2"/>
+              <a:buChar char="§"/>
+            </a:pPr>
+            <a:r>
+              <a:rPr lang="en-US" dirty="0"/>
+              <a:t>Anonymous Walks	</a:t>
+            </a:r>
+            <a:r>
+              <a:rPr lang="en-US" sz="1100" i="1" dirty="0"/>
+              <a:t>https://arxiv.org/pdf/1805.11921</a:t>
+            </a:r>
+            <a:endParaRPr lang="en-US" i="1" dirty="0"/>
+          </a:p>
+        </p:txBody>
+      </p:sp>
+    </p:spTree>
+    <p:extLst>
+      <p:ext uri="{BB962C8B-B14F-4D97-AF65-F5344CB8AC3E}">
+        <p14:creationId xmlns:p14="http://schemas.microsoft.com/office/powerpoint/2010/main" val="1828205197"/>
+      </p:ext>
+    </p:extLst>
+  </p:cSld>
+  <p:clrMapOvr>
+    <a:masterClrMapping/>
+  </p:clrMapOvr>
+</p:sld>
+</file>
+
+<file path=ppt/slides/slide7.xml><?xml version="1.0" encoding="utf-8"?>
+<p:sld xmlns:a="http://schemas.openxmlformats.org/drawingml/2006/main" xmlns:r="http://schemas.openxmlformats.org/officeDocument/2006/relationships" xmlns:p="http://schemas.openxmlformats.org/presentationml/2006/main">
+  <p:cSld>
+    <p:spTree>
+      <p:nvGrpSpPr>
+        <p:cNvPr id="1" name=""/>
+        <p:cNvGrpSpPr/>
+        <p:nvPr/>
+      </p:nvGrpSpPr>
+      <p:grpSpPr>
+        <a:xfrm>
+          <a:off x="0" y="0"/>
+          <a:ext cx="0" cy="0"/>
+          <a:chOff x="0" y="0"/>
+          <a:chExt cx="0" cy="0"/>
+        </a:xfrm>
+      </p:grpSpPr>
+      <p:sp>
+        <p:nvSpPr>
+          <p:cNvPr id="8" name="Title 1">
+            <a:extLst>
+              <a:ext uri="{FF2B5EF4-FFF2-40B4-BE49-F238E27FC236}">
+                <a16:creationId xmlns:a16="http://schemas.microsoft.com/office/drawing/2014/main" id="{833C213B-0339-FD56-FE4A-BA55C9461B79}"/>
+              </a:ext>
+            </a:extLst>
+          </p:cNvPr>
+          <p:cNvSpPr>
+            <a:spLocks noGrp="1"/>
+          </p:cNvSpPr>
+          <p:nvPr>
+            <p:ph type="title"/>
+          </p:nvPr>
+        </p:nvSpPr>
+        <p:spPr>
+          <a:xfrm>
+            <a:off x="1402731" y="3655051"/>
+            <a:ext cx="6825349" cy="1148400"/>
+          </a:xfrm>
+        </p:spPr>
+        <p:txBody>
+          <a:bodyPr/>
+          <a:lstStyle/>
+          <a:p>
+            <a:pPr algn="l"/>
+            <a:r>
+              <a:rPr lang="en-US" sz="3200" b="1" u="sng" dirty="0">
+                <a:latin typeface="+mn-lt"/>
+              </a:rPr>
+              <a:t>Local community learning: </a:t>
+            </a:r>
+            <a:r>
+              <a:rPr lang="en-US" sz="4000" b="1" i="1" u="sng" dirty="0" err="1">
+                <a:latin typeface="+mn-lt"/>
+              </a:rPr>
+              <a:t>RandomWalks</a:t>
+            </a:r>
+            <a:endParaRPr lang="en-US" sz="3200" b="1" i="1" u="sng" dirty="0">
+              <a:latin typeface="+mn-lt"/>
+            </a:endParaRPr>
+          </a:p>
+        </p:txBody>
+      </p:sp>
+    </p:spTree>
+    <p:extLst>
+      <p:ext uri="{BB962C8B-B14F-4D97-AF65-F5344CB8AC3E}">
+        <p14:creationId xmlns:p14="http://schemas.microsoft.com/office/powerpoint/2010/main" val="1339711995"/>
+      </p:ext>
+    </p:extLst>
+  </p:cSld>
+  <p:clrMapOvr>
+    <a:masterClrMapping/>
+  </p:clrMapOvr>
+</p:sld>
+</file>
+
+<file path=ppt/slides/slide8.xml><?xml version="1.0" encoding="utf-8"?>
+<p:sld xmlns:a="http://schemas.openxmlformats.org/drawingml/2006/main" xmlns:r="http://schemas.openxmlformats.org/officeDocument/2006/relationships" xmlns:p="http://schemas.openxmlformats.org/presentationml/2006/main">
+  <p:cSld>
+    <p:spTree>
+      <p:nvGrpSpPr>
+        <p:cNvPr id="1" name=""/>
+        <p:cNvGrpSpPr/>
+        <p:nvPr/>
+      </p:nvGrpSpPr>
+      <p:grpSpPr>
+        <a:xfrm>
+          <a:off x="0" y="0"/>
+          <a:ext cx="0" cy="0"/>
+          <a:chOff x="0" y="0"/>
+          <a:chExt cx="0" cy="0"/>
+        </a:xfrm>
+      </p:grpSpPr>
+      <p:pic>
+        <p:nvPicPr>
+          <p:cNvPr id="3" name="Picture 2">
+            <a:extLst>
+              <a:ext uri="{FF2B5EF4-FFF2-40B4-BE49-F238E27FC236}">
+                <a16:creationId xmlns:a16="http://schemas.microsoft.com/office/drawing/2014/main" id="{FE013548-243A-DC7E-8DE0-D3FE4EF0C7AC}"/>
+              </a:ext>
+            </a:extLst>
+          </p:cNvPr>
+          <p:cNvPicPr>
+            <a:picLocks noChangeAspect="1"/>
+          </p:cNvPicPr>
+          <p:nvPr/>
+        </p:nvPicPr>
+        <p:blipFill>
+          <a:blip r:embed="rId2" cstate="print">
+            <a:extLst>
+              <a:ext uri="{28A0092B-C50C-407E-A947-70E740481C1C}">
+                <a14:useLocalDpi xmlns:a14="http://schemas.microsoft.com/office/drawing/2010/main" val="0"/>
+              </a:ext>
+            </a:extLst>
+          </a:blip>
+          <a:stretch>
+            <a:fillRect/>
+          </a:stretch>
+        </p:blipFill>
+        <p:spPr>
+          <a:xfrm>
+            <a:off x="0" y="0"/>
+            <a:ext cx="2794660" cy="1828799"/>
+          </a:xfrm>
+          <a:prstGeom prst="rect">
+            <a:avLst/>
+          </a:prstGeom>
+        </p:spPr>
+      </p:pic>
+      <p:sp>
+        <p:nvSpPr>
+          <p:cNvPr id="4" name="TextBox 3">
+            <a:extLst>
+              <a:ext uri="{FF2B5EF4-FFF2-40B4-BE49-F238E27FC236}">
+                <a16:creationId xmlns:a16="http://schemas.microsoft.com/office/drawing/2014/main" id="{C13C8DE9-C754-473F-D218-EA2090F2B592}"/>
+              </a:ext>
+            </a:extLst>
+          </p:cNvPr>
+          <p:cNvSpPr txBox="1"/>
+          <p:nvPr/>
+        </p:nvSpPr>
+        <p:spPr>
+          <a:xfrm>
+            <a:off x="2794660" y="0"/>
+            <a:ext cx="2757486" cy="923330"/>
+          </a:xfrm>
+          <a:prstGeom prst="rect">
+            <a:avLst/>
+          </a:prstGeom>
+          <a:noFill/>
+        </p:spPr>
+        <p:txBody>
+          <a:bodyPr wrap="none" rtlCol="0">
+            <a:spAutoFit/>
+          </a:bodyPr>
+          <a:lstStyle/>
+          <a:p>
+            <a:r>
+              <a:rPr lang="en-US" u="sng" dirty="0"/>
+              <a:t>Walk length from a node</a:t>
+            </a:r>
+          </a:p>
+          <a:p>
+            <a:endParaRPr lang="en-US" u="sng" dirty="0"/>
+          </a:p>
+          <a:p>
+            <a:r>
+              <a:rPr lang="en-US" u="sng" dirty="0"/>
+              <a:t>Walk numbers from a node</a:t>
+            </a:r>
+          </a:p>
+        </p:txBody>
+      </p:sp>
+      <p:sp>
+        <p:nvSpPr>
+          <p:cNvPr id="9" name="TextBox 8">
+            <a:extLst>
+              <a:ext uri="{FF2B5EF4-FFF2-40B4-BE49-F238E27FC236}">
+                <a16:creationId xmlns:a16="http://schemas.microsoft.com/office/drawing/2014/main" id="{8C92549B-1C48-87E2-426B-D0AD0FD5AD23}"/>
+              </a:ext>
+            </a:extLst>
+          </p:cNvPr>
+          <p:cNvSpPr txBox="1"/>
+          <p:nvPr/>
+        </p:nvSpPr>
+        <p:spPr>
+          <a:xfrm>
+            <a:off x="5996503" y="92333"/>
+            <a:ext cx="1872629" cy="369332"/>
+          </a:xfrm>
+          <a:prstGeom prst="rect">
+            <a:avLst/>
+          </a:prstGeom>
+          <a:noFill/>
+        </p:spPr>
+        <p:txBody>
+          <a:bodyPr wrap="none" rtlCol="0">
+            <a:spAutoFit/>
+          </a:bodyPr>
+          <a:lstStyle/>
+          <a:p>
+            <a:r>
+              <a:rPr lang="en-US" b="1" dirty="0"/>
+              <a:t>Corpus = “walks”</a:t>
+            </a:r>
+          </a:p>
+        </p:txBody>
+      </p:sp>
+      <p:pic>
+        <p:nvPicPr>
+          <p:cNvPr id="17" name="Picture 16">
+            <a:extLst>
+              <a:ext uri="{FF2B5EF4-FFF2-40B4-BE49-F238E27FC236}">
+                <a16:creationId xmlns:a16="http://schemas.microsoft.com/office/drawing/2014/main" id="{4F19C0CB-5BC6-ECFD-D412-41C211D14C4E}"/>
+              </a:ext>
+            </a:extLst>
+          </p:cNvPr>
+          <p:cNvPicPr>
+            <a:picLocks noChangeAspect="1"/>
+          </p:cNvPicPr>
+          <p:nvPr/>
+        </p:nvPicPr>
+        <p:blipFill>
+          <a:blip r:embed="rId3">
+            <a:extLst>
+              <a:ext uri="{28A0092B-C50C-407E-A947-70E740481C1C}">
+                <a14:useLocalDpi xmlns:a14="http://schemas.microsoft.com/office/drawing/2010/main" val="0"/>
+              </a:ext>
+            </a:extLst>
+          </a:blip>
+          <a:stretch>
+            <a:fillRect/>
+          </a:stretch>
+        </p:blipFill>
+        <p:spPr>
+          <a:xfrm>
+            <a:off x="0" y="1828799"/>
+            <a:ext cx="5616202" cy="1889686"/>
+          </a:xfrm>
+          <a:prstGeom prst="rect">
+            <a:avLst/>
+          </a:prstGeom>
+        </p:spPr>
+      </p:pic>
+      <p:sp>
+        <p:nvSpPr>
+          <p:cNvPr id="18" name="TextBox 17">
+            <a:extLst>
+              <a:ext uri="{FF2B5EF4-FFF2-40B4-BE49-F238E27FC236}">
+                <a16:creationId xmlns:a16="http://schemas.microsoft.com/office/drawing/2014/main" id="{9CB58784-2CC6-E5BF-43CE-150537030342}"/>
+              </a:ext>
+            </a:extLst>
+          </p:cNvPr>
+          <p:cNvSpPr txBox="1"/>
+          <p:nvPr/>
+        </p:nvSpPr>
+        <p:spPr>
+          <a:xfrm>
+            <a:off x="1122632" y="3885153"/>
+            <a:ext cx="5216684" cy="923330"/>
+          </a:xfrm>
+          <a:prstGeom prst="rect">
+            <a:avLst/>
+          </a:prstGeom>
+          <a:noFill/>
+        </p:spPr>
+        <p:txBody>
+          <a:bodyPr wrap="none" rtlCol="0">
+            <a:spAutoFit/>
+          </a:bodyPr>
+          <a:lstStyle/>
+          <a:p>
+            <a:r>
+              <a:rPr lang="en-US" dirty="0"/>
+              <a:t>Embedding Trainer Models:</a:t>
+            </a:r>
+          </a:p>
+          <a:p>
+            <a:r>
+              <a:rPr lang="en-US" dirty="0"/>
+              <a:t>	Word2Vec(CBOW or </a:t>
+            </a:r>
+            <a:r>
+              <a:rPr lang="en-US" dirty="0" err="1"/>
+              <a:t>SkipGram</a:t>
+            </a:r>
+            <a:r>
+              <a:rPr lang="en-US" dirty="0"/>
+              <a:t> implementation)</a:t>
+            </a:r>
+          </a:p>
+          <a:p>
+            <a:r>
+              <a:rPr lang="en-US" dirty="0"/>
+              <a:t>	Node2Vec</a:t>
+            </a:r>
+          </a:p>
+        </p:txBody>
+      </p:sp>
+      <p:pic>
+        <p:nvPicPr>
+          <p:cNvPr id="22" name="Picture 21">
+            <a:extLst>
+              <a:ext uri="{FF2B5EF4-FFF2-40B4-BE49-F238E27FC236}">
+                <a16:creationId xmlns:a16="http://schemas.microsoft.com/office/drawing/2014/main" id="{21B04A43-D6E0-87C4-CF8E-9D8E5F3700C7}"/>
+              </a:ext>
+            </a:extLst>
+          </p:cNvPr>
+          <p:cNvPicPr>
+            <a:picLocks noChangeAspect="1"/>
+          </p:cNvPicPr>
+          <p:nvPr/>
+        </p:nvPicPr>
+        <p:blipFill>
+          <a:blip r:embed="rId4" cstate="print">
+            <a:extLst>
+              <a:ext uri="{28A0092B-C50C-407E-A947-70E740481C1C}">
+                <a14:useLocalDpi xmlns:a14="http://schemas.microsoft.com/office/drawing/2010/main" val="0"/>
+              </a:ext>
+            </a:extLst>
+          </a:blip>
+          <a:stretch>
+            <a:fillRect/>
+          </a:stretch>
+        </p:blipFill>
+        <p:spPr>
+          <a:xfrm>
+            <a:off x="6060559" y="461665"/>
+            <a:ext cx="3083441" cy="1825418"/>
+          </a:xfrm>
+          <a:prstGeom prst="rect">
+            <a:avLst/>
+          </a:prstGeom>
+        </p:spPr>
+      </p:pic>
+      <p:pic>
+        <p:nvPicPr>
+          <p:cNvPr id="24" name="Picture 23">
+            <a:extLst>
+              <a:ext uri="{FF2B5EF4-FFF2-40B4-BE49-F238E27FC236}">
+                <a16:creationId xmlns:a16="http://schemas.microsoft.com/office/drawing/2014/main" id="{A4601911-D8FD-C4D5-7F53-2A23D3FE57D1}"/>
+              </a:ext>
+            </a:extLst>
+          </p:cNvPr>
+          <p:cNvPicPr>
+            <a:picLocks noChangeAspect="1"/>
+          </p:cNvPicPr>
+          <p:nvPr/>
+        </p:nvPicPr>
+        <p:blipFill>
+          <a:blip r:embed="rId5">
+            <a:extLst>
+              <a:ext uri="{28A0092B-C50C-407E-A947-70E740481C1C}">
+                <a14:useLocalDpi xmlns:a14="http://schemas.microsoft.com/office/drawing/2010/main" val="0"/>
+              </a:ext>
+            </a:extLst>
+          </a:blip>
+          <a:stretch>
+            <a:fillRect/>
+          </a:stretch>
+        </p:blipFill>
+        <p:spPr>
+          <a:xfrm>
+            <a:off x="2887854" y="4583990"/>
+            <a:ext cx="6256146" cy="465232"/>
+          </a:xfrm>
+          <a:prstGeom prst="rect">
+            <a:avLst/>
+          </a:prstGeom>
+        </p:spPr>
+      </p:pic>
+    </p:spTree>
+    <p:extLst>
+      <p:ext uri="{BB962C8B-B14F-4D97-AF65-F5344CB8AC3E}">
+        <p14:creationId xmlns:p14="http://schemas.microsoft.com/office/powerpoint/2010/main" val="1882102143"/>
+      </p:ext>
+    </p:extLst>
+  </p:cSld>
+  <p:clrMapOvr>
+    <a:masterClrMapping/>
+  </p:clrMapOvr>
+</p:sld>
+</file>
+
+<file path=ppt/slides/slide9.xml><?xml version="1.0" encoding="utf-8"?>
+<p:sld xmlns:a="http://schemas.openxmlformats.org/drawingml/2006/main" xmlns:r="http://schemas.openxmlformats.org/officeDocument/2006/relationships" xmlns:p="http://schemas.openxmlformats.org/presentationml/2006/main">
+  <p:cSld>
+    <p:spTree>
+      <p:nvGrpSpPr>
+        <p:cNvPr id="1" name=""/>
+        <p:cNvGrpSpPr/>
+        <p:nvPr/>
+      </p:nvGrpSpPr>
+      <p:grpSpPr>
+        <a:xfrm>
+          <a:off x="0" y="0"/>
+          <a:ext cx="0" cy="0"/>
+          <a:chOff x="0" y="0"/>
+          <a:chExt cx="0" cy="0"/>
+        </a:xfrm>
+      </p:grpSpPr>
+      <p:pic>
+        <p:nvPicPr>
+          <p:cNvPr id="5" name="Picture 4">
+            <a:extLst>
+              <a:ext uri="{FF2B5EF4-FFF2-40B4-BE49-F238E27FC236}">
+                <a16:creationId xmlns:a16="http://schemas.microsoft.com/office/drawing/2014/main" id="{646B6B66-1F2B-0254-0BDB-9D235181FCA5}"/>
+              </a:ext>
+            </a:extLst>
+          </p:cNvPr>
+          <p:cNvPicPr>
+            <a:picLocks noChangeAspect="1"/>
+          </p:cNvPicPr>
+          <p:nvPr/>
+        </p:nvPicPr>
+        <p:blipFill>
+          <a:blip r:embed="rId2"/>
+          <a:stretch>
+            <a:fillRect/>
+          </a:stretch>
+        </p:blipFill>
+        <p:spPr>
+          <a:xfrm>
+            <a:off x="0" y="0"/>
+            <a:ext cx="6578010" cy="5032695"/>
+          </a:xfrm>
+          <a:prstGeom prst="rect">
+            <a:avLst/>
+          </a:prstGeom>
+        </p:spPr>
+      </p:pic>
+    </p:spTree>
+    <p:extLst>
+      <p:ext uri="{BB962C8B-B14F-4D97-AF65-F5344CB8AC3E}">
+        <p14:creationId xmlns:p14="http://schemas.microsoft.com/office/powerpoint/2010/main" val="4067703291"/>
       </p:ext>
     </p:extLst>
   </p:cSld>
